--- a/Datas/slides/DATN_DoanVanQuan_2020602342.pptx
+++ b/Datas/slides/DATN_DoanVanQuan_2020602342.pptx
@@ -5,7 +5,7 @@
     <p:sldMasterId id="2147483648" r:id="rId1"/>
   </p:sldMasterIdLst>
   <p:notesMasterIdLst>
-    <p:notesMasterId r:id="rId15"/>
+    <p:notesMasterId r:id="rId13"/>
   </p:notesMasterIdLst>
   <p:sldIdLst>
     <p:sldId id="256" r:id="rId2"/>
@@ -15,22 +15,20 @@
     <p:sldId id="260" r:id="rId6"/>
     <p:sldId id="266" r:id="rId7"/>
     <p:sldId id="282" r:id="rId8"/>
-    <p:sldId id="275" r:id="rId9"/>
-    <p:sldId id="277" r:id="rId10"/>
-    <p:sldId id="286" r:id="rId11"/>
-    <p:sldId id="287" r:id="rId12"/>
-    <p:sldId id="278" r:id="rId13"/>
-    <p:sldId id="285" r:id="rId14"/>
+    <p:sldId id="286" r:id="rId9"/>
+    <p:sldId id="287" r:id="rId10"/>
+    <p:sldId id="288" r:id="rId11"/>
+    <p:sldId id="285" r:id="rId12"/>
   </p:sldIdLst>
   <p:sldSz cx="12192000" cy="6858000"/>
   <p:notesSz cx="6858000" cy="9144000"/>
   <p:embeddedFontLst>
     <p:embeddedFont>
       <p:font typeface="Rockwell" panose="02060603020205020403" pitchFamily="18" charset="0"/>
-      <p:regular r:id="rId16"/>
-      <p:bold r:id="rId17"/>
-      <p:italic r:id="rId18"/>
-      <p:boldItalic r:id="rId19"/>
+      <p:regular r:id="rId14"/>
+      <p:bold r:id="rId15"/>
+      <p:italic r:id="rId16"/>
+      <p:boldItalic r:id="rId17"/>
     </p:embeddedFont>
   </p:embeddedFontLst>
   <p:defaultTextStyle>
@@ -267,7 +265,7 @@
       <p15:sldGuideLst xmlns:p15="http://schemas.microsoft.com/office/powerpoint/2012/main"/>
     </p:ext>
     <p:ext uri="http://customooxmlschemas.google.com/">
-      <go:slidesCustomData xmlns="" xmlns:mc="http://schemas.openxmlformats.org/markup-compatibility/2006" xmlns:mv="urn:schemas-microsoft-com:mac:vml" xmlns:c="http://schemas.openxmlformats.org/drawingml/2006/chart" xmlns:dgm="http://schemas.openxmlformats.org/drawingml/2006/diagram" xmlns:o="urn:schemas-microsoft-com:office:office" xmlns:v="urn:schemas-microsoft-com:vml" xmlns:pvml="urn:schemas-microsoft-com:office:powerpoint" xmlns:com="http://schemas.openxmlformats.org/drawingml/2006/compatibility" xmlns:p14="http://schemas.microsoft.com/office/powerpoint/2010/main" xmlns:p15="http://schemas.microsoft.com/office/powerpoint/2012/main" xmlns:ahyp="http://schemas.microsoft.com/office/drawing/2018/hyperlinkcolor" xmlns:go="http://customooxmlschemas.google.com/" r:id="rId39" roundtripDataSignature="AMtx7miMQy0B61euSvy1TGI04t3g93aj4g=="/>
+      <go:slidesCustomData xmlns:go="http://customooxmlschemas.google.com/" xmlns:ahyp="http://schemas.microsoft.com/office/drawing/2018/hyperlinkcolor" xmlns:p15="http://schemas.microsoft.com/office/powerpoint/2012/main" xmlns:p14="http://schemas.microsoft.com/office/powerpoint/2010/main" xmlns:com="http://schemas.openxmlformats.org/drawingml/2006/compatibility" xmlns:pvml="urn:schemas-microsoft-com:office:powerpoint" xmlns:v="urn:schemas-microsoft-com:vml" xmlns:o="urn:schemas-microsoft-com:office:office" xmlns:dgm="http://schemas.openxmlformats.org/drawingml/2006/diagram" xmlns:c="http://schemas.openxmlformats.org/drawingml/2006/chart" xmlns:mv="urn:schemas-microsoft-com:mac:vml" xmlns:mc="http://schemas.openxmlformats.org/markup-compatibility/2006" xmlns="" r:id="rId39" roundtripDataSignature="AMtx7miMQy0B61euSvy1TGI04t3g93aj4g=="/>
     </p:ext>
   </p:extLst>
 </p:presentation>
@@ -1947,7 +1945,7 @@
     </p:spTree>
     <p:extLst>
       <p:ext uri="{BB962C8B-B14F-4D97-AF65-F5344CB8AC3E}">
-        <p14:creationId xmlns:p14="http://schemas.microsoft.com/office/powerpoint/2010/main" val="713580538"/>
+        <p14:creationId xmlns:p14="http://schemas.microsoft.com/office/powerpoint/2010/main" val="4101227991"/>
       </p:ext>
     </p:extLst>
   </p:cSld>
@@ -1958,260 +1956,6 @@
 </file>
 
 <file path=ppt/notesSlides/notesSlide11.xml><?xml version="1.0" encoding="utf-8"?>
-<p:notes xmlns:a="http://schemas.openxmlformats.org/drawingml/2006/main" xmlns:r="http://schemas.openxmlformats.org/officeDocument/2006/relationships" xmlns:p="http://schemas.openxmlformats.org/presentationml/2006/main" showMasterSp="0" showMasterPhAnim="0">
-  <p:cSld>
-    <p:spTree>
-      <p:nvGrpSpPr>
-        <p:cNvPr id="1" name="Shape 41"/>
-        <p:cNvGrpSpPr/>
-        <p:nvPr/>
-      </p:nvGrpSpPr>
-      <p:grpSpPr>
-        <a:xfrm>
-          <a:off x="0" y="0"/>
-          <a:ext cx="0" cy="0"/>
-          <a:chOff x="0" y="0"/>
-          <a:chExt cx="0" cy="0"/>
-        </a:xfrm>
-      </p:grpSpPr>
-      <p:sp>
-        <p:nvSpPr>
-          <p:cNvPr id="42" name="Google Shape;42;p1:notes"/>
-          <p:cNvSpPr txBox="1">
-            <a:spLocks noGrp="1"/>
-          </p:cNvSpPr>
-          <p:nvPr>
-            <p:ph type="body" idx="1"/>
-          </p:nvPr>
-        </p:nvSpPr>
-        <p:spPr>
-          <a:xfrm>
-            <a:off x="685800" y="4400550"/>
-            <a:ext cx="5486400" cy="3600450"/>
-          </a:xfrm>
-          <a:prstGeom prst="rect">
-            <a:avLst/>
-          </a:prstGeom>
-          <a:noFill/>
-          <a:ln>
-            <a:noFill/>
-          </a:ln>
-        </p:spPr>
-        <p:txBody>
-          <a:bodyPr spcFirstLastPara="1" wrap="square" lIns="91425" tIns="45700" rIns="91425" bIns="45700" anchor="t" anchorCtr="0">
-            <a:noAutofit/>
-          </a:bodyPr>
-          <a:lstStyle/>
-          <a:p>
-            <a:pPr marL="0" lvl="0" indent="0" algn="l" rtl="0">
-              <a:lnSpc>
-                <a:spcPct val="100000"/>
-              </a:lnSpc>
-              <a:spcBef>
-                <a:spcPts val="0"/>
-              </a:spcBef>
-              <a:spcAft>
-                <a:spcPts val="0"/>
-              </a:spcAft>
-              <a:buSzPts val="1400"/>
-              <a:buNone/>
-            </a:pPr>
-            <a:endParaRPr/>
-          </a:p>
-        </p:txBody>
-      </p:sp>
-      <p:sp>
-        <p:nvSpPr>
-          <p:cNvPr id="43" name="Google Shape;43;p1:notes"/>
-          <p:cNvSpPr>
-            <a:spLocks noGrp="1" noRot="1" noChangeAspect="1"/>
-          </p:cNvSpPr>
-          <p:nvPr>
-            <p:ph type="sldImg" idx="2"/>
-          </p:nvPr>
-        </p:nvSpPr>
-        <p:spPr>
-          <a:xfrm>
-            <a:off x="685800" y="1143000"/>
-            <a:ext cx="5486400" cy="3086100"/>
-          </a:xfrm>
-          <a:custGeom>
-            <a:avLst/>
-            <a:gdLst/>
-            <a:ahLst/>
-            <a:cxnLst/>
-            <a:rect l="l" t="t" r="r" b="b"/>
-            <a:pathLst>
-              <a:path w="120000" h="120000" extrusionOk="0">
-                <a:moveTo>
-                  <a:pt x="0" y="0"/>
-                </a:moveTo>
-                <a:lnTo>
-                  <a:pt x="120000" y="0"/>
-                </a:lnTo>
-                <a:lnTo>
-                  <a:pt x="120000" y="120000"/>
-                </a:lnTo>
-                <a:lnTo>
-                  <a:pt x="0" y="120000"/>
-                </a:lnTo>
-                <a:close/>
-              </a:path>
-            </a:pathLst>
-          </a:custGeom>
-          <a:noFill/>
-          <a:ln w="12700" cap="flat" cmpd="sng">
-            <a:solidFill>
-              <a:srgbClr val="000000"/>
-            </a:solidFill>
-            <a:prstDash val="solid"/>
-            <a:round/>
-            <a:headEnd type="none" w="sm" len="sm"/>
-            <a:tailEnd type="none" w="sm" len="sm"/>
-          </a:ln>
-        </p:spPr>
-      </p:sp>
-    </p:spTree>
-    <p:extLst>
-      <p:ext uri="{BB962C8B-B14F-4D97-AF65-F5344CB8AC3E}">
-        <p14:creationId xmlns:p14="http://schemas.microsoft.com/office/powerpoint/2010/main" val="1009625085"/>
-      </p:ext>
-    </p:extLst>
-  </p:cSld>
-  <p:clrMapOvr>
-    <a:masterClrMapping/>
-  </p:clrMapOvr>
-</p:notes>
-</file>
-
-<file path=ppt/notesSlides/notesSlide12.xml><?xml version="1.0" encoding="utf-8"?>
-<p:notes xmlns:a="http://schemas.openxmlformats.org/drawingml/2006/main" xmlns:r="http://schemas.openxmlformats.org/officeDocument/2006/relationships" xmlns:p="http://schemas.openxmlformats.org/presentationml/2006/main" showMasterSp="0" showMasterPhAnim="0">
-  <p:cSld>
-    <p:spTree>
-      <p:nvGrpSpPr>
-        <p:cNvPr id="1" name="Shape 41"/>
-        <p:cNvGrpSpPr/>
-        <p:nvPr/>
-      </p:nvGrpSpPr>
-      <p:grpSpPr>
-        <a:xfrm>
-          <a:off x="0" y="0"/>
-          <a:ext cx="0" cy="0"/>
-          <a:chOff x="0" y="0"/>
-          <a:chExt cx="0" cy="0"/>
-        </a:xfrm>
-      </p:grpSpPr>
-      <p:sp>
-        <p:nvSpPr>
-          <p:cNvPr id="42" name="Google Shape;42;p1:notes"/>
-          <p:cNvSpPr txBox="1">
-            <a:spLocks noGrp="1"/>
-          </p:cNvSpPr>
-          <p:nvPr>
-            <p:ph type="body" idx="1"/>
-          </p:nvPr>
-        </p:nvSpPr>
-        <p:spPr>
-          <a:xfrm>
-            <a:off x="685800" y="4400550"/>
-            <a:ext cx="5486400" cy="3600450"/>
-          </a:xfrm>
-          <a:prstGeom prst="rect">
-            <a:avLst/>
-          </a:prstGeom>
-          <a:noFill/>
-          <a:ln>
-            <a:noFill/>
-          </a:ln>
-        </p:spPr>
-        <p:txBody>
-          <a:bodyPr spcFirstLastPara="1" wrap="square" lIns="91425" tIns="45700" rIns="91425" bIns="45700" anchor="t" anchorCtr="0">
-            <a:noAutofit/>
-          </a:bodyPr>
-          <a:lstStyle/>
-          <a:p>
-            <a:pPr marL="0" lvl="0" indent="0" algn="l" rtl="0">
-              <a:lnSpc>
-                <a:spcPct val="100000"/>
-              </a:lnSpc>
-              <a:spcBef>
-                <a:spcPts val="0"/>
-              </a:spcBef>
-              <a:spcAft>
-                <a:spcPts val="0"/>
-              </a:spcAft>
-              <a:buSzPts val="1400"/>
-              <a:buNone/>
-            </a:pPr>
-            <a:endParaRPr/>
-          </a:p>
-        </p:txBody>
-      </p:sp>
-      <p:sp>
-        <p:nvSpPr>
-          <p:cNvPr id="43" name="Google Shape;43;p1:notes"/>
-          <p:cNvSpPr>
-            <a:spLocks noGrp="1" noRot="1" noChangeAspect="1"/>
-          </p:cNvSpPr>
-          <p:nvPr>
-            <p:ph type="sldImg" idx="2"/>
-          </p:nvPr>
-        </p:nvSpPr>
-        <p:spPr>
-          <a:xfrm>
-            <a:off x="685800" y="1143000"/>
-            <a:ext cx="5486400" cy="3086100"/>
-          </a:xfrm>
-          <a:custGeom>
-            <a:avLst/>
-            <a:gdLst/>
-            <a:ahLst/>
-            <a:cxnLst/>
-            <a:rect l="l" t="t" r="r" b="b"/>
-            <a:pathLst>
-              <a:path w="120000" h="120000" extrusionOk="0">
-                <a:moveTo>
-                  <a:pt x="0" y="0"/>
-                </a:moveTo>
-                <a:lnTo>
-                  <a:pt x="120000" y="0"/>
-                </a:lnTo>
-                <a:lnTo>
-                  <a:pt x="120000" y="120000"/>
-                </a:lnTo>
-                <a:lnTo>
-                  <a:pt x="0" y="120000"/>
-                </a:lnTo>
-                <a:close/>
-              </a:path>
-            </a:pathLst>
-          </a:custGeom>
-          <a:noFill/>
-          <a:ln w="12700" cap="flat" cmpd="sng">
-            <a:solidFill>
-              <a:srgbClr val="000000"/>
-            </a:solidFill>
-            <a:prstDash val="solid"/>
-            <a:round/>
-            <a:headEnd type="none" w="sm" len="sm"/>
-            <a:tailEnd type="none" w="sm" len="sm"/>
-          </a:ln>
-        </p:spPr>
-      </p:sp>
-    </p:spTree>
-    <p:extLst>
-      <p:ext uri="{BB962C8B-B14F-4D97-AF65-F5344CB8AC3E}">
-        <p14:creationId xmlns:p14="http://schemas.microsoft.com/office/powerpoint/2010/main" val="2548878374"/>
-      </p:ext>
-    </p:extLst>
-  </p:cSld>
-  <p:clrMapOvr>
-    <a:masterClrMapping/>
-  </p:clrMapOvr>
-</p:notes>
-</file>
-
-<file path=ppt/notesSlides/notesSlide13.xml><?xml version="1.0" encoding="utf-8"?>
 <p:notes xmlns:a="http://schemas.openxmlformats.org/drawingml/2006/main" xmlns:r="http://schemas.openxmlformats.org/officeDocument/2006/relationships" xmlns:p="http://schemas.openxmlformats.org/presentationml/2006/main" showMasterSp="0" showMasterPhAnim="0">
   <p:cSld>
     <p:spTree>
@@ -3323,7 +3067,7 @@
     </p:spTree>
     <p:extLst>
       <p:ext uri="{BB962C8B-B14F-4D97-AF65-F5344CB8AC3E}">
-        <p14:creationId xmlns:p14="http://schemas.microsoft.com/office/powerpoint/2010/main" val="2812056518"/>
+        <p14:creationId xmlns:p14="http://schemas.microsoft.com/office/powerpoint/2010/main" val="713580538"/>
       </p:ext>
     </p:extLst>
   </p:cSld>
@@ -3450,7 +3194,7 @@
     </p:spTree>
     <p:extLst>
       <p:ext uri="{BB962C8B-B14F-4D97-AF65-F5344CB8AC3E}">
-        <p14:creationId xmlns:p14="http://schemas.microsoft.com/office/powerpoint/2010/main" val="622880752"/>
+        <p14:creationId xmlns:p14="http://schemas.microsoft.com/office/powerpoint/2010/main" val="1009625085"/>
       </p:ext>
     </p:extLst>
   </p:cSld>
@@ -6444,8 +6188,8 @@
         </p:nvSpPr>
         <p:spPr>
           <a:xfrm>
-            <a:off x="5127171" y="4425482"/>
-            <a:ext cx="6144862" cy="1384954"/>
+            <a:off x="1727132" y="4789276"/>
+            <a:ext cx="7152317" cy="1384954"/>
           </a:xfrm>
           <a:prstGeom prst="rect">
             <a:avLst/>
@@ -6479,7 +6223,7 @@
               <a:buNone/>
             </a:pPr>
             <a:r>
-              <a:rPr lang="en-US" sz="2800" dirty="0">
+              <a:rPr lang="en-US" sz="2800" dirty="0" err="1">
                 <a:solidFill>
                   <a:schemeClr val="bg1"/>
                 </a:solidFill>
@@ -6488,10 +6232,10 @@
                 <a:cs typeface="Times New Roman"/>
                 <a:sym typeface="Times New Roman"/>
               </a:rPr>
-              <a:t>CB</a:t>
-            </a:r>
-            <a:r>
-              <a:rPr lang="en-US" sz="2800" b="0" i="0" u="none" strike="noStrike" cap="none" dirty="0">
+              <a:t>Giảng</a:t>
+            </a:r>
+            <a:r>
+              <a:rPr lang="en-US" sz="2800" dirty="0">
                 <a:solidFill>
                   <a:schemeClr val="bg1"/>
                 </a:solidFill>
@@ -6500,7 +6244,79 @@
                 <a:cs typeface="Times New Roman"/>
                 <a:sym typeface="Times New Roman"/>
               </a:rPr>
-              <a:t>HD: </a:t>
+              <a:t> </a:t>
+            </a:r>
+            <a:r>
+              <a:rPr lang="en-US" sz="2800" dirty="0" err="1">
+                <a:solidFill>
+                  <a:schemeClr val="bg1"/>
+                </a:solidFill>
+                <a:latin typeface="Times New Roman"/>
+                <a:ea typeface="Times New Roman"/>
+                <a:cs typeface="Times New Roman"/>
+                <a:sym typeface="Times New Roman"/>
+              </a:rPr>
+              <a:t>viên</a:t>
+            </a:r>
+            <a:r>
+              <a:rPr lang="en-US" sz="2800" dirty="0">
+                <a:solidFill>
+                  <a:schemeClr val="bg1"/>
+                </a:solidFill>
+                <a:latin typeface="Times New Roman"/>
+                <a:ea typeface="Times New Roman"/>
+                <a:cs typeface="Times New Roman"/>
+                <a:sym typeface="Times New Roman"/>
+              </a:rPr>
+              <a:t> </a:t>
+            </a:r>
+            <a:r>
+              <a:rPr lang="en-US" sz="2800" dirty="0" err="1">
+                <a:solidFill>
+                  <a:schemeClr val="bg1"/>
+                </a:solidFill>
+                <a:latin typeface="Times New Roman"/>
+                <a:ea typeface="Times New Roman"/>
+                <a:cs typeface="Times New Roman"/>
+                <a:sym typeface="Times New Roman"/>
+              </a:rPr>
+              <a:t>hướng</a:t>
+            </a:r>
+            <a:r>
+              <a:rPr lang="en-US" sz="2800" dirty="0">
+                <a:solidFill>
+                  <a:schemeClr val="bg1"/>
+                </a:solidFill>
+                <a:latin typeface="Times New Roman"/>
+                <a:ea typeface="Times New Roman"/>
+                <a:cs typeface="Times New Roman"/>
+                <a:sym typeface="Times New Roman"/>
+              </a:rPr>
+              <a:t> </a:t>
+            </a:r>
+            <a:r>
+              <a:rPr lang="en-US" sz="2800" dirty="0" err="1">
+                <a:solidFill>
+                  <a:schemeClr val="bg1"/>
+                </a:solidFill>
+                <a:latin typeface="Times New Roman"/>
+                <a:ea typeface="Times New Roman"/>
+                <a:cs typeface="Times New Roman"/>
+                <a:sym typeface="Times New Roman"/>
+              </a:rPr>
+              <a:t>dẫn</a:t>
+            </a:r>
+            <a:r>
+              <a:rPr lang="en-US" sz="2800" b="0" i="0" u="none" strike="noStrike" cap="none" dirty="0">
+                <a:solidFill>
+                  <a:schemeClr val="bg1"/>
+                </a:solidFill>
+                <a:latin typeface="Times New Roman"/>
+                <a:ea typeface="Times New Roman"/>
+                <a:cs typeface="Times New Roman"/>
+                <a:sym typeface="Times New Roman"/>
+              </a:rPr>
+              <a:t>: </a:t>
             </a:r>
             <a:r>
               <a:rPr lang="en-US" sz="2800" b="0" i="1" u="none" strike="noStrike" cap="none" dirty="0">
@@ -6691,31 +6507,7 @@
               <a:t>Mã</a:t>
             </a:r>
             <a:r>
-              <a:rPr lang="en-US" sz="2800" b="0" i="0" u="none" strike="noStrike" cap="none" dirty="0">
-                <a:solidFill>
-                  <a:schemeClr val="bg1"/>
-                </a:solidFill>
-                <a:latin typeface="Times New Roman"/>
-                <a:ea typeface="Times New Roman"/>
-                <a:cs typeface="Times New Roman"/>
-                <a:sym typeface="Times New Roman"/>
-              </a:rPr>
-              <a:t> </a:t>
-            </a:r>
-            <a:r>
-              <a:rPr lang="en-US" sz="2800" b="0" i="0" u="none" strike="noStrike" cap="none" dirty="0" err="1">
-                <a:solidFill>
-                  <a:schemeClr val="bg1"/>
-                </a:solidFill>
-                <a:latin typeface="Times New Roman"/>
-                <a:ea typeface="Times New Roman"/>
-                <a:cs typeface="Times New Roman"/>
-                <a:sym typeface="Times New Roman"/>
-              </a:rPr>
-              <a:t>số</a:t>
-            </a:r>
-            <a:r>
-              <a:rPr lang="en-US" sz="2800" b="0" i="0" u="none" strike="noStrike" cap="none" dirty="0">
+              <a:rPr lang="en-US" sz="2800" dirty="0">
                 <a:solidFill>
                   <a:schemeClr val="bg1"/>
                 </a:solidFill>
@@ -7026,7 +6818,7 @@
         <p:spPr>
           <a:xfrm>
             <a:off x="471429" y="1173431"/>
-            <a:ext cx="5225986" cy="461624"/>
+            <a:ext cx="10707848" cy="461624"/>
           </a:xfrm>
           <a:prstGeom prst="rect">
             <a:avLst/>
@@ -7080,7 +6872,27 @@
                 <a:latin typeface="Times New Roman" panose="02020603050405020304" pitchFamily="18" charset="0"/>
                 <a:cs typeface="Times New Roman" panose="02020603050405020304" pitchFamily="18" charset="0"/>
               </a:rPr>
-              <a:t>xem</a:t>
+              <a:t>quản</a:t>
+            </a:r>
+            <a:r>
+              <a:rPr lang="en-US" sz="2400" dirty="0">
+                <a:solidFill>
+                  <a:schemeClr val="bg1"/>
+                </a:solidFill>
+                <a:latin typeface="Times New Roman" panose="02020603050405020304" pitchFamily="18" charset="0"/>
+                <a:cs typeface="Times New Roman" panose="02020603050405020304" pitchFamily="18" charset="0"/>
+              </a:rPr>
+              <a:t> </a:t>
+            </a:r>
+            <a:r>
+              <a:rPr lang="en-US" sz="2400" dirty="0" err="1">
+                <a:solidFill>
+                  <a:schemeClr val="bg1"/>
+                </a:solidFill>
+                <a:latin typeface="Times New Roman" panose="02020603050405020304" pitchFamily="18" charset="0"/>
+                <a:cs typeface="Times New Roman" panose="02020603050405020304" pitchFamily="18" charset="0"/>
+              </a:rPr>
+              <a:t>lý</a:t>
             </a:r>
             <a:r>
               <a:rPr lang="en-US" sz="2400" dirty="0">
@@ -7120,37 +6932,77 @@
                 <a:latin typeface="Times New Roman" panose="02020603050405020304" pitchFamily="18" charset="0"/>
                 <a:cs typeface="Times New Roman" panose="02020603050405020304" pitchFamily="18" charset="0"/>
               </a:rPr>
-              <a:t>thành</a:t>
-            </a:r>
-            <a:r>
-              <a:rPr lang="en-US" sz="2400" dirty="0">
-                <a:solidFill>
-                  <a:schemeClr val="bg1"/>
-                </a:solidFill>
-                <a:latin typeface="Times New Roman" panose="02020603050405020304" pitchFamily="18" charset="0"/>
-                <a:cs typeface="Times New Roman" panose="02020603050405020304" pitchFamily="18" charset="0"/>
-              </a:rPr>
-              <a:t> </a:t>
-            </a:r>
-            <a:r>
-              <a:rPr lang="en-US" sz="2400" dirty="0" err="1">
-                <a:solidFill>
-                  <a:schemeClr val="bg1"/>
-                </a:solidFill>
-                <a:latin typeface="Times New Roman" panose="02020603050405020304" pitchFamily="18" charset="0"/>
-                <a:cs typeface="Times New Roman" panose="02020603050405020304" pitchFamily="18" charset="0"/>
-              </a:rPr>
-              <a:t>phần</a:t>
-            </a:r>
-            <a:r>
-              <a:rPr lang="en-US" sz="2400" dirty="0">
-                <a:solidFill>
-                  <a:schemeClr val="bg1"/>
-                </a:solidFill>
-                <a:latin typeface="Times New Roman" panose="02020603050405020304" pitchFamily="18" charset="0"/>
-                <a:cs typeface="Times New Roman" panose="02020603050405020304" pitchFamily="18" charset="0"/>
-              </a:rPr>
-              <a:t>:</a:t>
+              <a:t>trên</a:t>
+            </a:r>
+            <a:r>
+              <a:rPr lang="en-US" sz="2400" dirty="0">
+                <a:solidFill>
+                  <a:schemeClr val="bg1"/>
+                </a:solidFill>
+                <a:latin typeface="Times New Roman" panose="02020603050405020304" pitchFamily="18" charset="0"/>
+                <a:cs typeface="Times New Roman" panose="02020603050405020304" pitchFamily="18" charset="0"/>
+              </a:rPr>
+              <a:t> </a:t>
+            </a:r>
+            <a:r>
+              <a:rPr lang="en-US" sz="2400" dirty="0" err="1">
+                <a:solidFill>
+                  <a:schemeClr val="bg1"/>
+                </a:solidFill>
+                <a:latin typeface="Times New Roman" panose="02020603050405020304" pitchFamily="18" charset="0"/>
+                <a:cs typeface="Times New Roman" panose="02020603050405020304" pitchFamily="18" charset="0"/>
+              </a:rPr>
+              <a:t>nền</a:t>
+            </a:r>
+            <a:r>
+              <a:rPr lang="en-US" sz="2400" dirty="0">
+                <a:solidFill>
+                  <a:schemeClr val="bg1"/>
+                </a:solidFill>
+                <a:latin typeface="Times New Roman" panose="02020603050405020304" pitchFamily="18" charset="0"/>
+                <a:cs typeface="Times New Roman" panose="02020603050405020304" pitchFamily="18" charset="0"/>
+              </a:rPr>
+              <a:t> </a:t>
+            </a:r>
+            <a:r>
+              <a:rPr lang="en-US" sz="2400" dirty="0" err="1">
+                <a:solidFill>
+                  <a:schemeClr val="bg1"/>
+                </a:solidFill>
+                <a:latin typeface="Times New Roman" panose="02020603050405020304" pitchFamily="18" charset="0"/>
+                <a:cs typeface="Times New Roman" panose="02020603050405020304" pitchFamily="18" charset="0"/>
+              </a:rPr>
+              <a:t>tảng</a:t>
+            </a:r>
+            <a:r>
+              <a:rPr lang="en-US" sz="2400" dirty="0">
+                <a:solidFill>
+                  <a:schemeClr val="bg1"/>
+                </a:solidFill>
+                <a:latin typeface="Times New Roman" panose="02020603050405020304" pitchFamily="18" charset="0"/>
+                <a:cs typeface="Times New Roman" panose="02020603050405020304" pitchFamily="18" charset="0"/>
+              </a:rPr>
+              <a:t> Windows </a:t>
+            </a:r>
+            <a:r>
+              <a:rPr lang="en-US" sz="2400" dirty="0" err="1">
+                <a:solidFill>
+                  <a:schemeClr val="bg1"/>
+                </a:solidFill>
+                <a:latin typeface="Times New Roman" panose="02020603050405020304" pitchFamily="18" charset="0"/>
+                <a:cs typeface="Times New Roman" panose="02020603050405020304" pitchFamily="18" charset="0"/>
+              </a:rPr>
+              <a:t>và</a:t>
+            </a:r>
+            <a:r>
+              <a:rPr lang="en-US" sz="2400" dirty="0">
+                <a:solidFill>
+                  <a:schemeClr val="bg1"/>
+                </a:solidFill>
+                <a:latin typeface="Times New Roman" panose="02020603050405020304" pitchFamily="18" charset="0"/>
+                <a:cs typeface="Times New Roman" panose="02020603050405020304" pitchFamily="18" charset="0"/>
+              </a:rPr>
+              <a:t> Android:</a:t>
             </a:r>
           </a:p>
         </p:txBody>
@@ -7182,10 +7034,89 @@
           </a:p>
         </p:txBody>
       </p:sp>
+      <p:pic>
+        <p:nvPicPr>
+          <p:cNvPr id="5" name="Picture 4">
+            <a:extLst>
+              <a:ext uri="{FF2B5EF4-FFF2-40B4-BE49-F238E27FC236}">
+                <a16:creationId xmlns:a16="http://schemas.microsoft.com/office/drawing/2014/main" id="{A8AEA965-EDD9-A4D4-6FC4-C7BD26B36B18}"/>
+              </a:ext>
+            </a:extLst>
+          </p:cNvPr>
+          <p:cNvPicPr>
+            <a:picLocks noChangeAspect="1"/>
+          </p:cNvPicPr>
+          <p:nvPr/>
+        </p:nvPicPr>
+        <p:blipFill>
+          <a:blip r:embed="rId3" cstate="print">
+            <a:extLst>
+              <a:ext uri="{28A0092B-C50C-407E-A947-70E740481C1C}">
+                <a14:useLocalDpi xmlns:a14="http://schemas.microsoft.com/office/drawing/2010/main" val="0"/>
+              </a:ext>
+            </a:extLst>
+          </a:blip>
+          <a:stretch>
+            <a:fillRect/>
+          </a:stretch>
+        </p:blipFill>
+        <p:spPr>
+          <a:xfrm>
+            <a:off x="739907" y="1945321"/>
+            <a:ext cx="6693408" cy="3559610"/>
+          </a:xfrm>
+          <a:prstGeom prst="rect">
+            <a:avLst/>
+          </a:prstGeom>
+        </p:spPr>
+      </p:pic>
+      <p:pic>
+        <p:nvPicPr>
+          <p:cNvPr id="6" name="Picture 5">
+            <a:extLst>
+              <a:ext uri="{FF2B5EF4-FFF2-40B4-BE49-F238E27FC236}">
+                <a16:creationId xmlns:a16="http://schemas.microsoft.com/office/drawing/2014/main" id="{3A279D50-B66B-5788-AC54-96CB45D42C60}"/>
+              </a:ext>
+            </a:extLst>
+          </p:cNvPr>
+          <p:cNvPicPr>
+            <a:picLocks noChangeAspect="1"/>
+          </p:cNvPicPr>
+          <p:nvPr/>
+        </p:nvPicPr>
+        <p:blipFill rotWithShape="1">
+          <a:blip r:embed="rId4" cstate="print">
+            <a:extLst>
+              <a:ext uri="{28A0092B-C50C-407E-A947-70E740481C1C}">
+                <a14:useLocalDpi xmlns:a14="http://schemas.microsoft.com/office/drawing/2010/main" val="0"/>
+              </a:ext>
+            </a:extLst>
+          </a:blip>
+          <a:srcRect t="3909"/>
+          <a:stretch/>
+        </p:blipFill>
+        <p:spPr bwMode="auto">
+          <a:xfrm>
+            <a:off x="8718804" y="1945321"/>
+            <a:ext cx="1642327" cy="3559610"/>
+          </a:xfrm>
+          <a:prstGeom prst="rect">
+            <a:avLst/>
+          </a:prstGeom>
+          <a:ln>
+            <a:noFill/>
+          </a:ln>
+          <a:extLst>
+            <a:ext uri="{53640926-AAD7-44D8-BBD7-CCE9431645EC}">
+              <a14:shadowObscured xmlns:a14="http://schemas.microsoft.com/office/drawing/2010/main"/>
+            </a:ext>
+          </a:extLst>
+        </p:spPr>
+      </p:pic>
     </p:spTree>
     <p:extLst>
       <p:ext uri="{BB962C8B-B14F-4D97-AF65-F5344CB8AC3E}">
-        <p14:creationId xmlns:p14="http://schemas.microsoft.com/office/powerpoint/2010/main" val="2233133785"/>
+        <p14:creationId xmlns:p14="http://schemas.microsoft.com/office/powerpoint/2010/main" val="3596645956"/>
       </p:ext>
     </p:extLst>
   </p:cSld>
@@ -7249,836 +7180,6 @@
                 <a:latin typeface="Times New Roman" panose="02020603050405020304" pitchFamily="18" charset="0"/>
                 <a:cs typeface="Times New Roman" panose="02020603050405020304" pitchFamily="18" charset="0"/>
               </a:rPr>
-              <a:t>3. </a:t>
-            </a:r>
-            <a:r>
-              <a:rPr lang="en-US" sz="3600" b="1" dirty="0" err="1">
-                <a:solidFill>
-                  <a:schemeClr val="bg1"/>
-                </a:solidFill>
-                <a:latin typeface="Times New Roman" panose="02020603050405020304" pitchFamily="18" charset="0"/>
-                <a:cs typeface="Times New Roman" panose="02020603050405020304" pitchFamily="18" charset="0"/>
-              </a:rPr>
-              <a:t>Kết</a:t>
-            </a:r>
-            <a:r>
-              <a:rPr lang="en-US" sz="3600" b="1" dirty="0">
-                <a:solidFill>
-                  <a:schemeClr val="bg1"/>
-                </a:solidFill>
-                <a:latin typeface="Times New Roman" panose="02020603050405020304" pitchFamily="18" charset="0"/>
-                <a:cs typeface="Times New Roman" panose="02020603050405020304" pitchFamily="18" charset="0"/>
-              </a:rPr>
-              <a:t> </a:t>
-            </a:r>
-            <a:r>
-              <a:rPr lang="en-US" sz="3600" b="1" dirty="0" err="1">
-                <a:solidFill>
-                  <a:schemeClr val="bg1"/>
-                </a:solidFill>
-                <a:latin typeface="Times New Roman" panose="02020603050405020304" pitchFamily="18" charset="0"/>
-                <a:cs typeface="Times New Roman" panose="02020603050405020304" pitchFamily="18" charset="0"/>
-              </a:rPr>
-              <a:t>quả</a:t>
-            </a:r>
-            <a:r>
-              <a:rPr lang="en-US" sz="3600" b="1" dirty="0">
-                <a:solidFill>
-                  <a:schemeClr val="bg1"/>
-                </a:solidFill>
-                <a:latin typeface="Times New Roman" panose="02020603050405020304" pitchFamily="18" charset="0"/>
-                <a:cs typeface="Times New Roman" panose="02020603050405020304" pitchFamily="18" charset="0"/>
-              </a:rPr>
-              <a:t> </a:t>
-            </a:r>
-            <a:r>
-              <a:rPr lang="en-US" sz="3600" b="1" dirty="0" err="1">
-                <a:solidFill>
-                  <a:schemeClr val="bg1"/>
-                </a:solidFill>
-                <a:latin typeface="Times New Roman" panose="02020603050405020304" pitchFamily="18" charset="0"/>
-                <a:cs typeface="Times New Roman" panose="02020603050405020304" pitchFamily="18" charset="0"/>
-              </a:rPr>
-              <a:t>đạt</a:t>
-            </a:r>
-            <a:r>
-              <a:rPr lang="en-US" sz="3600" b="1" dirty="0">
-                <a:solidFill>
-                  <a:schemeClr val="bg1"/>
-                </a:solidFill>
-                <a:latin typeface="Times New Roman" panose="02020603050405020304" pitchFamily="18" charset="0"/>
-                <a:cs typeface="Times New Roman" panose="02020603050405020304" pitchFamily="18" charset="0"/>
-              </a:rPr>
-              <a:t> </a:t>
-            </a:r>
-            <a:r>
-              <a:rPr lang="en-US" sz="3600" b="1" dirty="0" err="1">
-                <a:solidFill>
-                  <a:schemeClr val="bg1"/>
-                </a:solidFill>
-                <a:latin typeface="Times New Roman" panose="02020603050405020304" pitchFamily="18" charset="0"/>
-                <a:cs typeface="Times New Roman" panose="02020603050405020304" pitchFamily="18" charset="0"/>
-              </a:rPr>
-              <a:t>được</a:t>
-            </a:r>
-            <a:endParaRPr lang="en-US" sz="3600" b="1" dirty="0">
-              <a:solidFill>
-                <a:schemeClr val="bg1"/>
-              </a:solidFill>
-              <a:latin typeface="Times New Roman" panose="02020603050405020304" pitchFamily="18" charset="0"/>
-              <a:ea typeface="Times New Roman"/>
-              <a:cs typeface="Times New Roman" panose="02020603050405020304" pitchFamily="18" charset="0"/>
-              <a:sym typeface="Times New Roman"/>
-            </a:endParaRPr>
-          </a:p>
-        </p:txBody>
-      </p:sp>
-      <p:sp>
-        <p:nvSpPr>
-          <p:cNvPr id="7" name="Google Shape;45;p1"/>
-          <p:cNvSpPr txBox="1"/>
-          <p:nvPr/>
-        </p:nvSpPr>
-        <p:spPr>
-          <a:xfrm>
-            <a:off x="471429" y="1173431"/>
-            <a:ext cx="5225986" cy="461624"/>
-          </a:xfrm>
-          <a:prstGeom prst="rect">
-            <a:avLst/>
-          </a:prstGeom>
-          <a:noFill/>
-          <a:ln>
-            <a:noFill/>
-          </a:ln>
-        </p:spPr>
-        <p:txBody>
-          <a:bodyPr spcFirstLastPara="1" wrap="square" lIns="91425" tIns="45700" rIns="91425" bIns="45700" anchor="t" anchorCtr="0">
-            <a:spAutoFit/>
-          </a:bodyPr>
-          <a:lstStyle/>
-          <a:p>
-            <a:r>
-              <a:rPr lang="en-US" sz="2400" dirty="0">
-                <a:solidFill>
-                  <a:schemeClr val="bg1"/>
-                </a:solidFill>
-                <a:latin typeface="Times New Roman" panose="02020603050405020304" pitchFamily="18" charset="0"/>
-                <a:cs typeface="Times New Roman" panose="02020603050405020304" pitchFamily="18" charset="0"/>
-              </a:rPr>
-              <a:t>Giao </a:t>
-            </a:r>
-            <a:r>
-              <a:rPr lang="en-US" sz="2400" dirty="0" err="1">
-                <a:solidFill>
-                  <a:schemeClr val="bg1"/>
-                </a:solidFill>
-                <a:latin typeface="Times New Roman" panose="02020603050405020304" pitchFamily="18" charset="0"/>
-                <a:cs typeface="Times New Roman" panose="02020603050405020304" pitchFamily="18" charset="0"/>
-              </a:rPr>
-              <a:t>diện</a:t>
-            </a:r>
-            <a:r>
-              <a:rPr lang="en-US" sz="2400" dirty="0">
-                <a:solidFill>
-                  <a:schemeClr val="bg1"/>
-                </a:solidFill>
-                <a:latin typeface="Times New Roman" panose="02020603050405020304" pitchFamily="18" charset="0"/>
-                <a:cs typeface="Times New Roman" panose="02020603050405020304" pitchFamily="18" charset="0"/>
-              </a:rPr>
-              <a:t> </a:t>
-            </a:r>
-            <a:r>
-              <a:rPr lang="en-US" sz="2400" dirty="0" err="1">
-                <a:solidFill>
-                  <a:schemeClr val="bg1"/>
-                </a:solidFill>
-                <a:latin typeface="Times New Roman" panose="02020603050405020304" pitchFamily="18" charset="0"/>
-                <a:cs typeface="Times New Roman" panose="02020603050405020304" pitchFamily="18" charset="0"/>
-              </a:rPr>
-              <a:t>xem</a:t>
-            </a:r>
-            <a:r>
-              <a:rPr lang="en-US" sz="2400" dirty="0">
-                <a:solidFill>
-                  <a:schemeClr val="bg1"/>
-                </a:solidFill>
-                <a:latin typeface="Times New Roman" panose="02020603050405020304" pitchFamily="18" charset="0"/>
-                <a:cs typeface="Times New Roman" panose="02020603050405020304" pitchFamily="18" charset="0"/>
-              </a:rPr>
-              <a:t> </a:t>
-            </a:r>
-            <a:r>
-              <a:rPr lang="en-US" sz="2400" dirty="0" err="1">
-                <a:solidFill>
-                  <a:schemeClr val="bg1"/>
-                </a:solidFill>
-                <a:latin typeface="Times New Roman" panose="02020603050405020304" pitchFamily="18" charset="0"/>
-                <a:cs typeface="Times New Roman" panose="02020603050405020304" pitchFamily="18" charset="0"/>
-              </a:rPr>
-              <a:t>điểm</a:t>
-            </a:r>
-            <a:r>
-              <a:rPr lang="en-US" sz="2400" dirty="0">
-                <a:solidFill>
-                  <a:schemeClr val="bg1"/>
-                </a:solidFill>
-                <a:latin typeface="Times New Roman" panose="02020603050405020304" pitchFamily="18" charset="0"/>
-                <a:cs typeface="Times New Roman" panose="02020603050405020304" pitchFamily="18" charset="0"/>
-              </a:rPr>
-              <a:t> </a:t>
-            </a:r>
-            <a:r>
-              <a:rPr lang="en-US" sz="2400" dirty="0" err="1">
-                <a:solidFill>
-                  <a:schemeClr val="bg1"/>
-                </a:solidFill>
-                <a:latin typeface="Times New Roman" panose="02020603050405020304" pitchFamily="18" charset="0"/>
-                <a:cs typeface="Times New Roman" panose="02020603050405020304" pitchFamily="18" charset="0"/>
-              </a:rPr>
-              <a:t>tổng</a:t>
-            </a:r>
-            <a:r>
-              <a:rPr lang="en-US" sz="2400" dirty="0">
-                <a:solidFill>
-                  <a:schemeClr val="bg1"/>
-                </a:solidFill>
-                <a:latin typeface="Times New Roman" panose="02020603050405020304" pitchFamily="18" charset="0"/>
-                <a:cs typeface="Times New Roman" panose="02020603050405020304" pitchFamily="18" charset="0"/>
-              </a:rPr>
-              <a:t> </a:t>
-            </a:r>
-            <a:r>
-              <a:rPr lang="en-US" sz="2400" dirty="0" err="1">
-                <a:solidFill>
-                  <a:schemeClr val="bg1"/>
-                </a:solidFill>
-                <a:latin typeface="Times New Roman" panose="02020603050405020304" pitchFamily="18" charset="0"/>
-                <a:cs typeface="Times New Roman" panose="02020603050405020304" pitchFamily="18" charset="0"/>
-              </a:rPr>
-              <a:t>kết</a:t>
-            </a:r>
-            <a:r>
-              <a:rPr lang="en-US" sz="2400" dirty="0">
-                <a:solidFill>
-                  <a:schemeClr val="bg1"/>
-                </a:solidFill>
-                <a:latin typeface="Times New Roman" panose="02020603050405020304" pitchFamily="18" charset="0"/>
-                <a:cs typeface="Times New Roman" panose="02020603050405020304" pitchFamily="18" charset="0"/>
-              </a:rPr>
-              <a:t>:</a:t>
-            </a:r>
-          </a:p>
-        </p:txBody>
-      </p:sp>
-      <p:sp>
-        <p:nvSpPr>
-          <p:cNvPr id="3" name="Slide Number Placeholder 2"/>
-          <p:cNvSpPr>
-            <a:spLocks noGrp="1"/>
-          </p:cNvSpPr>
-          <p:nvPr>
-            <p:ph type="sldNum" idx="12"/>
-          </p:nvPr>
-        </p:nvSpPr>
-        <p:spPr/>
-        <p:txBody>
-          <a:bodyPr/>
-          <a:lstStyle/>
-          <a:p>
-            <a:fld id="{00000000-1234-1234-1234-123412341234}" type="slidenum">
-              <a:rPr lang="en-US" smtClean="0"/>
-              <a:pPr/>
-              <a:t>11</a:t>
-            </a:fld>
-            <a:r>
-              <a:rPr lang="en-US" dirty="0"/>
-              <a:t>/16</a:t>
-            </a:r>
-          </a:p>
-        </p:txBody>
-      </p:sp>
-    </p:spTree>
-    <p:extLst>
-      <p:ext uri="{BB962C8B-B14F-4D97-AF65-F5344CB8AC3E}">
-        <p14:creationId xmlns:p14="http://schemas.microsoft.com/office/powerpoint/2010/main" val="4249677439"/>
-      </p:ext>
-    </p:extLst>
-  </p:cSld>
-  <p:clrMapOvr>
-    <a:masterClrMapping/>
-  </p:clrMapOvr>
-  <p:transition spd="slow">
-    <p:wipe/>
-  </p:transition>
-</p:sld>
-</file>
-
-<file path=ppt/slides/slide12.xml><?xml version="1.0" encoding="utf-8"?>
-<p:sld xmlns:a="http://schemas.openxmlformats.org/drawingml/2006/main" xmlns:r="http://schemas.openxmlformats.org/officeDocument/2006/relationships" xmlns:p="http://schemas.openxmlformats.org/presentationml/2006/main">
-  <p:cSld>
-    <p:spTree>
-      <p:nvGrpSpPr>
-        <p:cNvPr id="1" name="Shape 44"/>
-        <p:cNvGrpSpPr/>
-        <p:nvPr/>
-      </p:nvGrpSpPr>
-      <p:grpSpPr>
-        <a:xfrm>
-          <a:off x="0" y="0"/>
-          <a:ext cx="0" cy="0"/>
-          <a:chOff x="0" y="0"/>
-          <a:chExt cx="0" cy="0"/>
-        </a:xfrm>
-      </p:grpSpPr>
-      <p:sp>
-        <p:nvSpPr>
-          <p:cNvPr id="45" name="Google Shape;45;p1"/>
-          <p:cNvSpPr txBox="1"/>
-          <p:nvPr/>
-        </p:nvSpPr>
-        <p:spPr>
-          <a:xfrm>
-            <a:off x="993531" y="92697"/>
-            <a:ext cx="9407769" cy="646290"/>
-          </a:xfrm>
-          <a:prstGeom prst="rect">
-            <a:avLst/>
-          </a:prstGeom>
-          <a:noFill/>
-          <a:ln>
-            <a:noFill/>
-          </a:ln>
-        </p:spPr>
-        <p:txBody>
-          <a:bodyPr spcFirstLastPara="1" wrap="square" lIns="91425" tIns="45700" rIns="91425" bIns="45700" anchor="t" anchorCtr="0">
-            <a:spAutoFit/>
-          </a:bodyPr>
-          <a:lstStyle/>
-          <a:p>
-            <a:pPr lvl="1"/>
-            <a:r>
-              <a:rPr lang="en-US" sz="3600" b="1" dirty="0">
-                <a:solidFill>
-                  <a:schemeClr val="bg1"/>
-                </a:solidFill>
-                <a:latin typeface="Times New Roman" panose="02020603050405020304" pitchFamily="18" charset="0"/>
-                <a:cs typeface="Times New Roman" panose="02020603050405020304" pitchFamily="18" charset="0"/>
-              </a:rPr>
-              <a:t>3. </a:t>
-            </a:r>
-            <a:r>
-              <a:rPr lang="en-US" sz="3600" b="1" dirty="0" err="1">
-                <a:solidFill>
-                  <a:schemeClr val="bg1"/>
-                </a:solidFill>
-                <a:latin typeface="Times New Roman" panose="02020603050405020304" pitchFamily="18" charset="0"/>
-                <a:cs typeface="Times New Roman" panose="02020603050405020304" pitchFamily="18" charset="0"/>
-              </a:rPr>
-              <a:t>Kết</a:t>
-            </a:r>
-            <a:r>
-              <a:rPr lang="en-US" sz="3600" b="1" dirty="0">
-                <a:solidFill>
-                  <a:schemeClr val="bg1"/>
-                </a:solidFill>
-                <a:latin typeface="Times New Roman" panose="02020603050405020304" pitchFamily="18" charset="0"/>
-                <a:cs typeface="Times New Roman" panose="02020603050405020304" pitchFamily="18" charset="0"/>
-              </a:rPr>
-              <a:t> </a:t>
-            </a:r>
-            <a:r>
-              <a:rPr lang="en-US" sz="3600" b="1" dirty="0" err="1">
-                <a:solidFill>
-                  <a:schemeClr val="bg1"/>
-                </a:solidFill>
-                <a:latin typeface="Times New Roman" panose="02020603050405020304" pitchFamily="18" charset="0"/>
-                <a:cs typeface="Times New Roman" panose="02020603050405020304" pitchFamily="18" charset="0"/>
-              </a:rPr>
-              <a:t>quả</a:t>
-            </a:r>
-            <a:r>
-              <a:rPr lang="en-US" sz="3600" b="1" dirty="0">
-                <a:solidFill>
-                  <a:schemeClr val="bg1"/>
-                </a:solidFill>
-                <a:latin typeface="Times New Roman" panose="02020603050405020304" pitchFamily="18" charset="0"/>
-                <a:cs typeface="Times New Roman" panose="02020603050405020304" pitchFamily="18" charset="0"/>
-              </a:rPr>
-              <a:t> </a:t>
-            </a:r>
-            <a:r>
-              <a:rPr lang="en-US" sz="3600" b="1" dirty="0" err="1">
-                <a:solidFill>
-                  <a:schemeClr val="bg1"/>
-                </a:solidFill>
-                <a:latin typeface="Times New Roman" panose="02020603050405020304" pitchFamily="18" charset="0"/>
-                <a:cs typeface="Times New Roman" panose="02020603050405020304" pitchFamily="18" charset="0"/>
-              </a:rPr>
-              <a:t>đạt</a:t>
-            </a:r>
-            <a:r>
-              <a:rPr lang="en-US" sz="3600" b="1" dirty="0">
-                <a:solidFill>
-                  <a:schemeClr val="bg1"/>
-                </a:solidFill>
-                <a:latin typeface="Times New Roman" panose="02020603050405020304" pitchFamily="18" charset="0"/>
-                <a:cs typeface="Times New Roman" panose="02020603050405020304" pitchFamily="18" charset="0"/>
-              </a:rPr>
-              <a:t> </a:t>
-            </a:r>
-            <a:r>
-              <a:rPr lang="en-US" sz="3600" b="1" dirty="0" err="1">
-                <a:solidFill>
-                  <a:schemeClr val="bg1"/>
-                </a:solidFill>
-                <a:latin typeface="Times New Roman" panose="02020603050405020304" pitchFamily="18" charset="0"/>
-                <a:cs typeface="Times New Roman" panose="02020603050405020304" pitchFamily="18" charset="0"/>
-              </a:rPr>
-              <a:t>được</a:t>
-            </a:r>
-            <a:endParaRPr lang="en-US" sz="3600" b="1" dirty="0">
-              <a:solidFill>
-                <a:schemeClr val="bg1"/>
-              </a:solidFill>
-              <a:latin typeface="Times New Roman" panose="02020603050405020304" pitchFamily="18" charset="0"/>
-              <a:ea typeface="Times New Roman"/>
-              <a:cs typeface="Times New Roman" panose="02020603050405020304" pitchFamily="18" charset="0"/>
-              <a:sym typeface="Times New Roman"/>
-            </a:endParaRPr>
-          </a:p>
-        </p:txBody>
-      </p:sp>
-      <p:sp>
-        <p:nvSpPr>
-          <p:cNvPr id="7" name="Google Shape;45;p1"/>
-          <p:cNvSpPr txBox="1"/>
-          <p:nvPr/>
-        </p:nvSpPr>
-        <p:spPr>
-          <a:xfrm>
-            <a:off x="604219" y="1678275"/>
-            <a:ext cx="5234257" cy="461624"/>
-          </a:xfrm>
-          <a:prstGeom prst="rect">
-            <a:avLst/>
-          </a:prstGeom>
-          <a:noFill/>
-          <a:ln>
-            <a:noFill/>
-          </a:ln>
-        </p:spPr>
-        <p:txBody>
-          <a:bodyPr spcFirstLastPara="1" wrap="square" lIns="91425" tIns="45700" rIns="91425" bIns="45700" anchor="t" anchorCtr="0">
-            <a:spAutoFit/>
-          </a:bodyPr>
-          <a:lstStyle/>
-          <a:p>
-            <a:r>
-              <a:rPr lang="en-US" sz="2400" dirty="0">
-                <a:solidFill>
-                  <a:schemeClr val="bg1"/>
-                </a:solidFill>
-                <a:latin typeface="Times New Roman" panose="02020603050405020304" pitchFamily="18" charset="0"/>
-                <a:cs typeface="Times New Roman" panose="02020603050405020304" pitchFamily="18" charset="0"/>
-              </a:rPr>
-              <a:t>Giao </a:t>
-            </a:r>
-            <a:r>
-              <a:rPr lang="en-US" sz="2400" dirty="0" err="1">
-                <a:solidFill>
-                  <a:schemeClr val="bg1"/>
-                </a:solidFill>
-                <a:latin typeface="Times New Roman" panose="02020603050405020304" pitchFamily="18" charset="0"/>
-                <a:cs typeface="Times New Roman" panose="02020603050405020304" pitchFamily="18" charset="0"/>
-              </a:rPr>
-              <a:t>diện</a:t>
-            </a:r>
-            <a:r>
-              <a:rPr lang="en-US" sz="2400" dirty="0">
-                <a:solidFill>
-                  <a:schemeClr val="bg1"/>
-                </a:solidFill>
-                <a:latin typeface="Times New Roman" panose="02020603050405020304" pitchFamily="18" charset="0"/>
-                <a:cs typeface="Times New Roman" panose="02020603050405020304" pitchFamily="18" charset="0"/>
-              </a:rPr>
-              <a:t> </a:t>
-            </a:r>
-            <a:r>
-              <a:rPr lang="en-US" sz="2400" dirty="0" err="1">
-                <a:solidFill>
-                  <a:schemeClr val="bg1"/>
-                </a:solidFill>
-                <a:latin typeface="Times New Roman" panose="02020603050405020304" pitchFamily="18" charset="0"/>
-                <a:cs typeface="Times New Roman" panose="02020603050405020304" pitchFamily="18" charset="0"/>
-              </a:rPr>
-              <a:t>trang</a:t>
-            </a:r>
-            <a:r>
-              <a:rPr lang="en-US" sz="2400" dirty="0">
-                <a:solidFill>
-                  <a:schemeClr val="bg1"/>
-                </a:solidFill>
-                <a:latin typeface="Times New Roman" panose="02020603050405020304" pitchFamily="18" charset="0"/>
-                <a:cs typeface="Times New Roman" panose="02020603050405020304" pitchFamily="18" charset="0"/>
-              </a:rPr>
-              <a:t> </a:t>
-            </a:r>
-            <a:r>
-              <a:rPr lang="en-US" sz="2400" dirty="0" err="1">
-                <a:solidFill>
-                  <a:schemeClr val="bg1"/>
-                </a:solidFill>
-                <a:latin typeface="Times New Roman" panose="02020603050405020304" pitchFamily="18" charset="0"/>
-                <a:cs typeface="Times New Roman" panose="02020603050405020304" pitchFamily="18" charset="0"/>
-              </a:rPr>
-              <a:t>lý</a:t>
-            </a:r>
-            <a:r>
-              <a:rPr lang="en-US" sz="2400" dirty="0">
-                <a:solidFill>
-                  <a:schemeClr val="bg1"/>
-                </a:solidFill>
-                <a:latin typeface="Times New Roman" panose="02020603050405020304" pitchFamily="18" charset="0"/>
-                <a:cs typeface="Times New Roman" panose="02020603050405020304" pitchFamily="18" charset="0"/>
-              </a:rPr>
-              <a:t> </a:t>
-            </a:r>
-            <a:r>
-              <a:rPr lang="en-US" sz="2400" dirty="0" err="1">
-                <a:solidFill>
-                  <a:schemeClr val="bg1"/>
-                </a:solidFill>
-                <a:latin typeface="Times New Roman" panose="02020603050405020304" pitchFamily="18" charset="0"/>
-                <a:cs typeface="Times New Roman" panose="02020603050405020304" pitchFamily="18" charset="0"/>
-              </a:rPr>
-              <a:t>khóa</a:t>
-            </a:r>
-            <a:r>
-              <a:rPr lang="en-US" sz="2400" dirty="0">
-                <a:solidFill>
-                  <a:schemeClr val="bg1"/>
-                </a:solidFill>
-                <a:latin typeface="Times New Roman" panose="02020603050405020304" pitchFamily="18" charset="0"/>
-                <a:cs typeface="Times New Roman" panose="02020603050405020304" pitchFamily="18" charset="0"/>
-              </a:rPr>
-              <a:t> </a:t>
-            </a:r>
-            <a:r>
-              <a:rPr lang="en-US" sz="2400" dirty="0" err="1">
-                <a:solidFill>
-                  <a:schemeClr val="bg1"/>
-                </a:solidFill>
-                <a:latin typeface="Times New Roman" panose="02020603050405020304" pitchFamily="18" charset="0"/>
-                <a:cs typeface="Times New Roman" panose="02020603050405020304" pitchFamily="18" charset="0"/>
-              </a:rPr>
-              <a:t>học</a:t>
-            </a:r>
-            <a:r>
-              <a:rPr lang="en-US" sz="2400" dirty="0">
-                <a:solidFill>
-                  <a:schemeClr val="bg1"/>
-                </a:solidFill>
-                <a:latin typeface="Times New Roman" panose="02020603050405020304" pitchFamily="18" charset="0"/>
-                <a:cs typeface="Times New Roman" panose="02020603050405020304" pitchFamily="18" charset="0"/>
-              </a:rPr>
-              <a:t>:</a:t>
-            </a:r>
-          </a:p>
-        </p:txBody>
-      </p:sp>
-      <p:sp>
-        <p:nvSpPr>
-          <p:cNvPr id="12" name="Google Shape;45;p1"/>
-          <p:cNvSpPr txBox="1"/>
-          <p:nvPr/>
-        </p:nvSpPr>
-        <p:spPr>
-          <a:xfrm>
-            <a:off x="6142804" y="1678275"/>
-            <a:ext cx="5243324" cy="461624"/>
-          </a:xfrm>
-          <a:prstGeom prst="rect">
-            <a:avLst/>
-          </a:prstGeom>
-          <a:noFill/>
-          <a:ln>
-            <a:noFill/>
-          </a:ln>
-        </p:spPr>
-        <p:txBody>
-          <a:bodyPr spcFirstLastPara="1" wrap="square" lIns="91425" tIns="45700" rIns="91425" bIns="45700" anchor="t" anchorCtr="0">
-            <a:spAutoFit/>
-          </a:bodyPr>
-          <a:lstStyle/>
-          <a:p>
-            <a:r>
-              <a:rPr lang="en-US" sz="2400" dirty="0">
-                <a:solidFill>
-                  <a:schemeClr val="bg1"/>
-                </a:solidFill>
-                <a:latin typeface="Times New Roman" panose="02020603050405020304" pitchFamily="18" charset="0"/>
-                <a:cs typeface="Times New Roman" panose="02020603050405020304" pitchFamily="18" charset="0"/>
-              </a:rPr>
-              <a:t>Giao </a:t>
-            </a:r>
-            <a:r>
-              <a:rPr lang="en-US" sz="2400" dirty="0" err="1">
-                <a:solidFill>
-                  <a:schemeClr val="bg1"/>
-                </a:solidFill>
-                <a:latin typeface="Times New Roman" panose="02020603050405020304" pitchFamily="18" charset="0"/>
-                <a:cs typeface="Times New Roman" panose="02020603050405020304" pitchFamily="18" charset="0"/>
-              </a:rPr>
-              <a:t>diện</a:t>
-            </a:r>
-            <a:r>
-              <a:rPr lang="en-US" sz="2400" dirty="0">
-                <a:solidFill>
-                  <a:schemeClr val="bg1"/>
-                </a:solidFill>
-                <a:latin typeface="Times New Roman" panose="02020603050405020304" pitchFamily="18" charset="0"/>
-                <a:cs typeface="Times New Roman" panose="02020603050405020304" pitchFamily="18" charset="0"/>
-              </a:rPr>
-              <a:t> </a:t>
-            </a:r>
-            <a:r>
-              <a:rPr lang="en-US" sz="2400" dirty="0" err="1">
-                <a:solidFill>
-                  <a:schemeClr val="bg1"/>
-                </a:solidFill>
-                <a:latin typeface="Times New Roman" panose="02020603050405020304" pitchFamily="18" charset="0"/>
-                <a:cs typeface="Times New Roman" panose="02020603050405020304" pitchFamily="18" charset="0"/>
-              </a:rPr>
-              <a:t>quản</a:t>
-            </a:r>
-            <a:r>
-              <a:rPr lang="en-US" sz="2400" dirty="0">
-                <a:solidFill>
-                  <a:schemeClr val="bg1"/>
-                </a:solidFill>
-                <a:latin typeface="Times New Roman" panose="02020603050405020304" pitchFamily="18" charset="0"/>
-                <a:cs typeface="Times New Roman" panose="02020603050405020304" pitchFamily="18" charset="0"/>
-              </a:rPr>
-              <a:t> </a:t>
-            </a:r>
-            <a:r>
-              <a:rPr lang="en-US" sz="2400" dirty="0" err="1">
-                <a:solidFill>
-                  <a:schemeClr val="bg1"/>
-                </a:solidFill>
-                <a:latin typeface="Times New Roman" panose="02020603050405020304" pitchFamily="18" charset="0"/>
-                <a:cs typeface="Times New Roman" panose="02020603050405020304" pitchFamily="18" charset="0"/>
-              </a:rPr>
-              <a:t>lý</a:t>
-            </a:r>
-            <a:r>
-              <a:rPr lang="en-US" sz="2400" dirty="0">
-                <a:solidFill>
-                  <a:schemeClr val="bg1"/>
-                </a:solidFill>
-                <a:latin typeface="Times New Roman" panose="02020603050405020304" pitchFamily="18" charset="0"/>
-                <a:cs typeface="Times New Roman" panose="02020603050405020304" pitchFamily="18" charset="0"/>
-              </a:rPr>
-              <a:t> </a:t>
-            </a:r>
-            <a:r>
-              <a:rPr lang="en-US" sz="2400" dirty="0" err="1">
-                <a:solidFill>
-                  <a:schemeClr val="bg1"/>
-                </a:solidFill>
-                <a:latin typeface="Times New Roman" panose="02020603050405020304" pitchFamily="18" charset="0"/>
-                <a:cs typeface="Times New Roman" panose="02020603050405020304" pitchFamily="18" charset="0"/>
-              </a:rPr>
-              <a:t>lớp</a:t>
-            </a:r>
-            <a:r>
-              <a:rPr lang="en-US" sz="2400" dirty="0">
-                <a:solidFill>
-                  <a:schemeClr val="bg1"/>
-                </a:solidFill>
-                <a:latin typeface="Times New Roman" panose="02020603050405020304" pitchFamily="18" charset="0"/>
-                <a:cs typeface="Times New Roman" panose="02020603050405020304" pitchFamily="18" charset="0"/>
-              </a:rPr>
-              <a:t> </a:t>
-            </a:r>
-            <a:r>
-              <a:rPr lang="en-US" sz="2400" dirty="0" err="1">
-                <a:solidFill>
-                  <a:schemeClr val="bg1"/>
-                </a:solidFill>
-                <a:latin typeface="Times New Roman" panose="02020603050405020304" pitchFamily="18" charset="0"/>
-                <a:cs typeface="Times New Roman" panose="02020603050405020304" pitchFamily="18" charset="0"/>
-              </a:rPr>
-              <a:t>học</a:t>
-            </a:r>
-            <a:r>
-              <a:rPr lang="en-US" sz="2400" dirty="0">
-                <a:solidFill>
-                  <a:schemeClr val="bg1"/>
-                </a:solidFill>
-                <a:latin typeface="Times New Roman" panose="02020603050405020304" pitchFamily="18" charset="0"/>
-                <a:cs typeface="Times New Roman" panose="02020603050405020304" pitchFamily="18" charset="0"/>
-              </a:rPr>
-              <a:t>:</a:t>
-            </a:r>
-          </a:p>
-        </p:txBody>
-      </p:sp>
-      <p:sp>
-        <p:nvSpPr>
-          <p:cNvPr id="3" name="Slide Number Placeholder 2"/>
-          <p:cNvSpPr>
-            <a:spLocks noGrp="1"/>
-          </p:cNvSpPr>
-          <p:nvPr>
-            <p:ph type="sldNum" idx="12"/>
-          </p:nvPr>
-        </p:nvSpPr>
-        <p:spPr/>
-        <p:txBody>
-          <a:bodyPr/>
-          <a:lstStyle/>
-          <a:p>
-            <a:fld id="{00000000-1234-1234-1234-123412341234}" type="slidenum">
-              <a:rPr lang="en-US" smtClean="0"/>
-              <a:pPr/>
-              <a:t>12</a:t>
-            </a:fld>
-            <a:r>
-              <a:rPr lang="en-US" dirty="0"/>
-              <a:t>/16</a:t>
-            </a:r>
-          </a:p>
-        </p:txBody>
-      </p:sp>
-      <p:pic>
-        <p:nvPicPr>
-          <p:cNvPr id="4" name="Picture 3" descr="A screenshot of a computer&#10;&#10;Description automatically generated with medium confidence">
-            <a:extLst>
-              <a:ext uri="{FF2B5EF4-FFF2-40B4-BE49-F238E27FC236}">
-                <a16:creationId xmlns:a16="http://schemas.microsoft.com/office/drawing/2014/main" id="{B0107210-0DA1-EB43-879A-D1D640852618}"/>
-              </a:ext>
-            </a:extLst>
-          </p:cNvPr>
-          <p:cNvPicPr>
-            <a:picLocks noChangeAspect="1"/>
-          </p:cNvPicPr>
-          <p:nvPr/>
-        </p:nvPicPr>
-        <p:blipFill>
-          <a:blip r:embed="rId3"/>
-          <a:stretch>
-            <a:fillRect/>
-          </a:stretch>
-        </p:blipFill>
-        <p:spPr>
-          <a:xfrm>
-            <a:off x="719865" y="2282387"/>
-            <a:ext cx="5002966" cy="2969184"/>
-          </a:xfrm>
-          <a:prstGeom prst="rect">
-            <a:avLst/>
-          </a:prstGeom>
-        </p:spPr>
-      </p:pic>
-      <p:pic>
-        <p:nvPicPr>
-          <p:cNvPr id="6" name="Picture 5" descr="A screenshot of a computer&#10;&#10;Description automatically generated with medium confidence">
-            <a:extLst>
-              <a:ext uri="{FF2B5EF4-FFF2-40B4-BE49-F238E27FC236}">
-                <a16:creationId xmlns:a16="http://schemas.microsoft.com/office/drawing/2014/main" id="{0CBA5A9D-7788-8448-B5B6-6A82CA6096B8}"/>
-              </a:ext>
-            </a:extLst>
-          </p:cNvPr>
-          <p:cNvPicPr>
-            <a:picLocks noChangeAspect="1"/>
-          </p:cNvPicPr>
-          <p:nvPr/>
-        </p:nvPicPr>
-        <p:blipFill>
-          <a:blip r:embed="rId4"/>
-          <a:stretch>
-            <a:fillRect/>
-          </a:stretch>
-        </p:blipFill>
-        <p:spPr>
-          <a:xfrm>
-            <a:off x="6199375" y="2354233"/>
-            <a:ext cx="5130182" cy="2897338"/>
-          </a:xfrm>
-          <a:prstGeom prst="rect">
-            <a:avLst/>
-          </a:prstGeom>
-        </p:spPr>
-      </p:pic>
-    </p:spTree>
-    <p:extLst>
-      <p:ext uri="{BB962C8B-B14F-4D97-AF65-F5344CB8AC3E}">
-        <p14:creationId xmlns:p14="http://schemas.microsoft.com/office/powerpoint/2010/main" val="2884155698"/>
-      </p:ext>
-    </p:extLst>
-  </p:cSld>
-  <p:clrMapOvr>
-    <a:masterClrMapping/>
-  </p:clrMapOvr>
-  <p:transition spd="slow">
-    <p:wipe/>
-  </p:transition>
-</p:sld>
-</file>
-
-<file path=ppt/slides/slide13.xml><?xml version="1.0" encoding="utf-8"?>
-<p:sld xmlns:a="http://schemas.openxmlformats.org/drawingml/2006/main" xmlns:r="http://schemas.openxmlformats.org/officeDocument/2006/relationships" xmlns:p="http://schemas.openxmlformats.org/presentationml/2006/main">
-  <p:cSld>
-    <p:spTree>
-      <p:nvGrpSpPr>
-        <p:cNvPr id="1" name="Shape 44"/>
-        <p:cNvGrpSpPr/>
-        <p:nvPr/>
-      </p:nvGrpSpPr>
-      <p:grpSpPr>
-        <a:xfrm>
-          <a:off x="0" y="0"/>
-          <a:ext cx="0" cy="0"/>
-          <a:chOff x="0" y="0"/>
-          <a:chExt cx="0" cy="0"/>
-        </a:xfrm>
-      </p:grpSpPr>
-      <p:sp>
-        <p:nvSpPr>
-          <p:cNvPr id="45" name="Google Shape;45;p1"/>
-          <p:cNvSpPr txBox="1"/>
-          <p:nvPr/>
-        </p:nvSpPr>
-        <p:spPr>
-          <a:xfrm>
-            <a:off x="993531" y="92697"/>
-            <a:ext cx="9407769" cy="646290"/>
-          </a:xfrm>
-          <a:prstGeom prst="rect">
-            <a:avLst/>
-          </a:prstGeom>
-          <a:noFill/>
-          <a:ln>
-            <a:noFill/>
-          </a:ln>
-        </p:spPr>
-        <p:txBody>
-          <a:bodyPr spcFirstLastPara="1" wrap="square" lIns="91425" tIns="45700" rIns="91425" bIns="45700" anchor="t" anchorCtr="0">
-            <a:spAutoFit/>
-          </a:bodyPr>
-          <a:lstStyle/>
-          <a:p>
-            <a:pPr lvl="1"/>
-            <a:r>
-              <a:rPr lang="en-US" sz="3600" b="1" dirty="0">
-                <a:solidFill>
-                  <a:schemeClr val="bg1"/>
-                </a:solidFill>
-                <a:latin typeface="Times New Roman" panose="02020603050405020304" pitchFamily="18" charset="0"/>
-                <a:cs typeface="Times New Roman" panose="02020603050405020304" pitchFamily="18" charset="0"/>
-              </a:rPr>
               <a:t>4. </a:t>
             </a:r>
             <a:r>
@@ -8150,7 +7251,7 @@
         <p:spPr>
           <a:xfrm>
             <a:off x="864690" y="1630650"/>
-            <a:ext cx="9665450" cy="3046988"/>
+            <a:ext cx="9665450" cy="3785652"/>
           </a:xfrm>
           <a:prstGeom prst="rect">
             <a:avLst/>
@@ -8258,27 +7359,127 @@
                 <a:latin typeface="Times New Roman" panose="02020603050405020304" pitchFamily="18" charset="0"/>
                 <a:cs typeface="Times New Roman" panose="02020603050405020304" pitchFamily="18" charset="0"/>
               </a:rPr>
-              <a:t>các</a:t>
-            </a:r>
-            <a:r>
-              <a:rPr lang="en-US" sz="2400" dirty="0">
-                <a:solidFill>
-                  <a:schemeClr val="bg1"/>
-                </a:solidFill>
-                <a:latin typeface="Times New Roman" panose="02020603050405020304" pitchFamily="18" charset="0"/>
-                <a:cs typeface="Times New Roman" panose="02020603050405020304" pitchFamily="18" charset="0"/>
-              </a:rPr>
-              <a:t> </a:t>
-            </a:r>
-            <a:r>
-              <a:rPr lang="en-US" sz="2400" dirty="0" err="1">
-                <a:solidFill>
-                  <a:schemeClr val="bg1"/>
-                </a:solidFill>
-                <a:latin typeface="Times New Roman" panose="02020603050405020304" pitchFamily="18" charset="0"/>
-                <a:cs typeface="Times New Roman" panose="02020603050405020304" pitchFamily="18" charset="0"/>
-              </a:rPr>
-              <a:t>tính</a:t>
+              <a:t>và</a:t>
+            </a:r>
+            <a:r>
+              <a:rPr lang="en-US" sz="2400" dirty="0">
+                <a:solidFill>
+                  <a:schemeClr val="bg1"/>
+                </a:solidFill>
+                <a:latin typeface="Times New Roman" panose="02020603050405020304" pitchFamily="18" charset="0"/>
+                <a:cs typeface="Times New Roman" panose="02020603050405020304" pitchFamily="18" charset="0"/>
+              </a:rPr>
+              <a:t> </a:t>
+            </a:r>
+            <a:r>
+              <a:rPr lang="en-US" sz="2400" dirty="0" err="1">
+                <a:solidFill>
+                  <a:schemeClr val="bg1"/>
+                </a:solidFill>
+                <a:latin typeface="Times New Roman" panose="02020603050405020304" pitchFamily="18" charset="0"/>
+                <a:cs typeface="Times New Roman" panose="02020603050405020304" pitchFamily="18" charset="0"/>
+              </a:rPr>
+              <a:t>phát</a:t>
+            </a:r>
+            <a:r>
+              <a:rPr lang="en-US" sz="2400" dirty="0">
+                <a:solidFill>
+                  <a:schemeClr val="bg1"/>
+                </a:solidFill>
+                <a:latin typeface="Times New Roman" panose="02020603050405020304" pitchFamily="18" charset="0"/>
+                <a:cs typeface="Times New Roman" panose="02020603050405020304" pitchFamily="18" charset="0"/>
+              </a:rPr>
+              <a:t> </a:t>
+            </a:r>
+            <a:r>
+              <a:rPr lang="en-US" sz="2400" dirty="0" err="1">
+                <a:solidFill>
+                  <a:schemeClr val="bg1"/>
+                </a:solidFill>
+                <a:latin typeface="Times New Roman" panose="02020603050405020304" pitchFamily="18" charset="0"/>
+                <a:cs typeface="Times New Roman" panose="02020603050405020304" pitchFamily="18" charset="0"/>
+              </a:rPr>
+              <a:t>triển</a:t>
+            </a:r>
+            <a:r>
+              <a:rPr lang="en-US" sz="2400" dirty="0">
+                <a:solidFill>
+                  <a:schemeClr val="bg1"/>
+                </a:solidFill>
+                <a:latin typeface="Times New Roman" panose="02020603050405020304" pitchFamily="18" charset="0"/>
+                <a:cs typeface="Times New Roman" panose="02020603050405020304" pitchFamily="18" charset="0"/>
+              </a:rPr>
+              <a:t> </a:t>
+            </a:r>
+            <a:r>
+              <a:rPr lang="en-US" sz="2400" dirty="0" err="1">
+                <a:solidFill>
+                  <a:schemeClr val="bg1"/>
+                </a:solidFill>
+                <a:latin typeface="Times New Roman" panose="02020603050405020304" pitchFamily="18" charset="0"/>
+                <a:cs typeface="Times New Roman" panose="02020603050405020304" pitchFamily="18" charset="0"/>
+              </a:rPr>
+              <a:t>thêm</a:t>
+            </a:r>
+            <a:r>
+              <a:rPr lang="en-US" sz="2400" dirty="0">
+                <a:solidFill>
+                  <a:schemeClr val="bg1"/>
+                </a:solidFill>
+                <a:latin typeface="Times New Roman" panose="02020603050405020304" pitchFamily="18" charset="0"/>
+                <a:cs typeface="Times New Roman" panose="02020603050405020304" pitchFamily="18" charset="0"/>
+              </a:rPr>
+              <a:t> </a:t>
+            </a:r>
+            <a:r>
+              <a:rPr lang="en-US" sz="2400" dirty="0" err="1">
+                <a:solidFill>
+                  <a:schemeClr val="bg1"/>
+                </a:solidFill>
+                <a:latin typeface="Times New Roman" panose="02020603050405020304" pitchFamily="18" charset="0"/>
+                <a:cs typeface="Times New Roman" panose="02020603050405020304" pitchFamily="18" charset="0"/>
+              </a:rPr>
+              <a:t>một</a:t>
+            </a:r>
+            <a:r>
+              <a:rPr lang="en-US" sz="2400" dirty="0">
+                <a:solidFill>
+                  <a:schemeClr val="bg1"/>
+                </a:solidFill>
+                <a:latin typeface="Times New Roman" panose="02020603050405020304" pitchFamily="18" charset="0"/>
+                <a:cs typeface="Times New Roman" panose="02020603050405020304" pitchFamily="18" charset="0"/>
+              </a:rPr>
+              <a:t> </a:t>
+            </a:r>
+            <a:r>
+              <a:rPr lang="en-US" sz="2400" dirty="0" err="1">
+                <a:solidFill>
+                  <a:schemeClr val="bg1"/>
+                </a:solidFill>
+                <a:latin typeface="Times New Roman" panose="02020603050405020304" pitchFamily="18" charset="0"/>
+                <a:cs typeface="Times New Roman" panose="02020603050405020304" pitchFamily="18" charset="0"/>
+              </a:rPr>
+              <a:t>số</a:t>
+            </a:r>
+            <a:r>
+              <a:rPr lang="en-US" sz="2400" dirty="0">
+                <a:solidFill>
+                  <a:schemeClr val="bg1"/>
+                </a:solidFill>
+                <a:latin typeface="Times New Roman" panose="02020603050405020304" pitchFamily="18" charset="0"/>
+                <a:cs typeface="Times New Roman" panose="02020603050405020304" pitchFamily="18" charset="0"/>
+              </a:rPr>
+              <a:t> </a:t>
+            </a:r>
+            <a:r>
+              <a:rPr lang="en-US" sz="2400" dirty="0" err="1">
+                <a:solidFill>
+                  <a:schemeClr val="bg1"/>
+                </a:solidFill>
+                <a:latin typeface="Times New Roman" panose="02020603050405020304" pitchFamily="18" charset="0"/>
+                <a:cs typeface="Times New Roman" panose="02020603050405020304" pitchFamily="18" charset="0"/>
+              </a:rPr>
+              <a:t>chức</a:t>
             </a:r>
             <a:r>
               <a:rPr lang="en-US" sz="2400" dirty="0">
@@ -8318,147 +7519,7 @@
                 <a:latin typeface="Times New Roman" panose="02020603050405020304" pitchFamily="18" charset="0"/>
                 <a:cs typeface="Times New Roman" panose="02020603050405020304" pitchFamily="18" charset="0"/>
               </a:rPr>
-              <a:t>dịch</a:t>
-            </a:r>
-            <a:r>
-              <a:rPr lang="en-US" sz="2400" dirty="0">
-                <a:solidFill>
-                  <a:schemeClr val="bg1"/>
-                </a:solidFill>
-                <a:latin typeface="Times New Roman" panose="02020603050405020304" pitchFamily="18" charset="0"/>
-                <a:cs typeface="Times New Roman" panose="02020603050405020304" pitchFamily="18" charset="0"/>
-              </a:rPr>
-              <a:t> </a:t>
-            </a:r>
-            <a:r>
-              <a:rPr lang="en-US" sz="2400" dirty="0" err="1">
-                <a:solidFill>
-                  <a:schemeClr val="bg1"/>
-                </a:solidFill>
-                <a:latin typeface="Times New Roman" panose="02020603050405020304" pitchFamily="18" charset="0"/>
-                <a:cs typeface="Times New Roman" panose="02020603050405020304" pitchFamily="18" charset="0"/>
-              </a:rPr>
-              <a:t>tài</a:t>
-            </a:r>
-            <a:r>
-              <a:rPr lang="en-US" sz="2400" dirty="0">
-                <a:solidFill>
-                  <a:schemeClr val="bg1"/>
-                </a:solidFill>
-                <a:latin typeface="Times New Roman" panose="02020603050405020304" pitchFamily="18" charset="0"/>
-                <a:cs typeface="Times New Roman" panose="02020603050405020304" pitchFamily="18" charset="0"/>
-              </a:rPr>
-              <a:t> </a:t>
-            </a:r>
-            <a:r>
-              <a:rPr lang="en-US" sz="2400" dirty="0" err="1">
-                <a:solidFill>
-                  <a:schemeClr val="bg1"/>
-                </a:solidFill>
-                <a:latin typeface="Times New Roman" panose="02020603050405020304" pitchFamily="18" charset="0"/>
-                <a:cs typeface="Times New Roman" panose="02020603050405020304" pitchFamily="18" charset="0"/>
-              </a:rPr>
-              <a:t>liệu</a:t>
-            </a:r>
-            <a:r>
-              <a:rPr lang="en-US" sz="2400" dirty="0">
-                <a:solidFill>
-                  <a:schemeClr val="bg1"/>
-                </a:solidFill>
-                <a:latin typeface="Times New Roman" panose="02020603050405020304" pitchFamily="18" charset="0"/>
-                <a:cs typeface="Times New Roman" panose="02020603050405020304" pitchFamily="18" charset="0"/>
-              </a:rPr>
-              <a:t> </a:t>
-            </a:r>
-            <a:r>
-              <a:rPr lang="en-US" sz="2400" dirty="0" err="1">
-                <a:solidFill>
-                  <a:schemeClr val="bg1"/>
-                </a:solidFill>
-                <a:latin typeface="Times New Roman" panose="02020603050405020304" pitchFamily="18" charset="0"/>
-                <a:cs typeface="Times New Roman" panose="02020603050405020304" pitchFamily="18" charset="0"/>
-              </a:rPr>
-              <a:t>có</a:t>
-            </a:r>
-            <a:r>
-              <a:rPr lang="en-US" sz="2400" dirty="0">
-                <a:solidFill>
-                  <a:schemeClr val="bg1"/>
-                </a:solidFill>
-                <a:latin typeface="Times New Roman" panose="02020603050405020304" pitchFamily="18" charset="0"/>
-                <a:cs typeface="Times New Roman" panose="02020603050405020304" pitchFamily="18" charset="0"/>
-              </a:rPr>
-              <a:t> </a:t>
-            </a:r>
-            <a:r>
-              <a:rPr lang="en-US" sz="2400" dirty="0" err="1">
-                <a:solidFill>
-                  <a:schemeClr val="bg1"/>
-                </a:solidFill>
-                <a:latin typeface="Times New Roman" panose="02020603050405020304" pitchFamily="18" charset="0"/>
-                <a:cs typeface="Times New Roman" panose="02020603050405020304" pitchFamily="18" charset="0"/>
-              </a:rPr>
-              <a:t>cấu</a:t>
-            </a:r>
-            <a:r>
-              <a:rPr lang="en-US" sz="2400" dirty="0">
-                <a:solidFill>
-                  <a:schemeClr val="bg1"/>
-                </a:solidFill>
-                <a:latin typeface="Times New Roman" panose="02020603050405020304" pitchFamily="18" charset="0"/>
-                <a:cs typeface="Times New Roman" panose="02020603050405020304" pitchFamily="18" charset="0"/>
-              </a:rPr>
-              <a:t> </a:t>
-            </a:r>
-            <a:r>
-              <a:rPr lang="en-US" sz="2400" dirty="0" err="1">
-                <a:solidFill>
-                  <a:schemeClr val="bg1"/>
-                </a:solidFill>
-                <a:latin typeface="Times New Roman" panose="02020603050405020304" pitchFamily="18" charset="0"/>
-                <a:cs typeface="Times New Roman" panose="02020603050405020304" pitchFamily="18" charset="0"/>
-              </a:rPr>
-              <a:t>trúc</a:t>
-            </a:r>
-            <a:r>
-              <a:rPr lang="en-US" sz="2400" dirty="0">
-                <a:solidFill>
-                  <a:schemeClr val="bg1"/>
-                </a:solidFill>
-                <a:latin typeface="Times New Roman" panose="02020603050405020304" pitchFamily="18" charset="0"/>
-                <a:cs typeface="Times New Roman" panose="02020603050405020304" pitchFamily="18" charset="0"/>
-              </a:rPr>
-              <a:t> </a:t>
-            </a:r>
-            <a:r>
-              <a:rPr lang="en-US" sz="2400" dirty="0" err="1">
-                <a:solidFill>
-                  <a:schemeClr val="bg1"/>
-                </a:solidFill>
-                <a:latin typeface="Times New Roman" panose="02020603050405020304" pitchFamily="18" charset="0"/>
-                <a:cs typeface="Times New Roman" panose="02020603050405020304" pitchFamily="18" charset="0"/>
-              </a:rPr>
-              <a:t>phức</a:t>
-            </a:r>
-            <a:r>
-              <a:rPr lang="en-US" sz="2400" dirty="0">
-                <a:solidFill>
-                  <a:schemeClr val="bg1"/>
-                </a:solidFill>
-                <a:latin typeface="Times New Roman" panose="02020603050405020304" pitchFamily="18" charset="0"/>
-                <a:cs typeface="Times New Roman" panose="02020603050405020304" pitchFamily="18" charset="0"/>
-              </a:rPr>
-              <a:t> </a:t>
-            </a:r>
-            <a:r>
-              <a:rPr lang="en-US" sz="2400" dirty="0" err="1">
-                <a:solidFill>
-                  <a:schemeClr val="bg1"/>
-                </a:solidFill>
-                <a:latin typeface="Times New Roman" panose="02020603050405020304" pitchFamily="18" charset="0"/>
-                <a:cs typeface="Times New Roman" panose="02020603050405020304" pitchFamily="18" charset="0"/>
-              </a:rPr>
-              <a:t>tạp</a:t>
+              <a:t>mới</a:t>
             </a:r>
             <a:r>
               <a:rPr lang="en-US" sz="2400" dirty="0">
@@ -8498,6 +7559,106 @@
                 <a:latin typeface="Times New Roman" panose="02020603050405020304" pitchFamily="18" charset="0"/>
                 <a:cs typeface="Times New Roman" panose="02020603050405020304" pitchFamily="18" charset="0"/>
               </a:rPr>
+              <a:t>điểm</a:t>
+            </a:r>
+            <a:r>
+              <a:rPr lang="en-US" sz="2400" dirty="0">
+                <a:solidFill>
+                  <a:schemeClr val="bg1"/>
+                </a:solidFill>
+                <a:latin typeface="Times New Roman" panose="02020603050405020304" pitchFamily="18" charset="0"/>
+                <a:cs typeface="Times New Roman" panose="02020603050405020304" pitchFamily="18" charset="0"/>
+              </a:rPr>
+              <a:t> </a:t>
+            </a:r>
+            <a:r>
+              <a:rPr lang="en-US" sz="2400" dirty="0" err="1">
+                <a:solidFill>
+                  <a:schemeClr val="bg1"/>
+                </a:solidFill>
+                <a:latin typeface="Times New Roman" panose="02020603050405020304" pitchFamily="18" charset="0"/>
+                <a:cs typeface="Times New Roman" panose="02020603050405020304" pitchFamily="18" charset="0"/>
+              </a:rPr>
+              <a:t>danh</a:t>
+            </a:r>
+            <a:r>
+              <a:rPr lang="en-US" sz="2400" dirty="0">
+                <a:solidFill>
+                  <a:schemeClr val="bg1"/>
+                </a:solidFill>
+                <a:latin typeface="Times New Roman" panose="02020603050405020304" pitchFamily="18" charset="0"/>
+                <a:cs typeface="Times New Roman" panose="02020603050405020304" pitchFamily="18" charset="0"/>
+              </a:rPr>
+              <a:t>, </a:t>
+            </a:r>
+            <a:r>
+              <a:rPr lang="en-US" sz="2400" dirty="0" err="1">
+                <a:solidFill>
+                  <a:schemeClr val="bg1"/>
+                </a:solidFill>
+                <a:latin typeface="Times New Roman" panose="02020603050405020304" pitchFamily="18" charset="0"/>
+                <a:cs typeface="Times New Roman" panose="02020603050405020304" pitchFamily="18" charset="0"/>
+              </a:rPr>
+              <a:t>tạo</a:t>
+            </a:r>
+            <a:r>
+              <a:rPr lang="en-US" sz="2400" dirty="0">
+                <a:solidFill>
+                  <a:schemeClr val="bg1"/>
+                </a:solidFill>
+                <a:latin typeface="Times New Roman" panose="02020603050405020304" pitchFamily="18" charset="0"/>
+                <a:cs typeface="Times New Roman" panose="02020603050405020304" pitchFamily="18" charset="0"/>
+              </a:rPr>
+              <a:t> </a:t>
+            </a:r>
+            <a:r>
+              <a:rPr lang="en-US" sz="2400" dirty="0" err="1">
+                <a:solidFill>
+                  <a:schemeClr val="bg1"/>
+                </a:solidFill>
+                <a:latin typeface="Times New Roman" panose="02020603050405020304" pitchFamily="18" charset="0"/>
+                <a:cs typeface="Times New Roman" panose="02020603050405020304" pitchFamily="18" charset="0"/>
+              </a:rPr>
+              <a:t>thời</a:t>
+            </a:r>
+            <a:r>
+              <a:rPr lang="en-US" sz="2400" dirty="0">
+                <a:solidFill>
+                  <a:schemeClr val="bg1"/>
+                </a:solidFill>
+                <a:latin typeface="Times New Roman" panose="02020603050405020304" pitchFamily="18" charset="0"/>
+                <a:cs typeface="Times New Roman" panose="02020603050405020304" pitchFamily="18" charset="0"/>
+              </a:rPr>
+              <a:t> </a:t>
+            </a:r>
+            <a:r>
+              <a:rPr lang="en-US" sz="2400" dirty="0" err="1">
+                <a:solidFill>
+                  <a:schemeClr val="bg1"/>
+                </a:solidFill>
+                <a:latin typeface="Times New Roman" panose="02020603050405020304" pitchFamily="18" charset="0"/>
+                <a:cs typeface="Times New Roman" panose="02020603050405020304" pitchFamily="18" charset="0"/>
+              </a:rPr>
+              <a:t>khóa</a:t>
+            </a:r>
+            <a:r>
+              <a:rPr lang="en-US" sz="2400" dirty="0">
+                <a:solidFill>
+                  <a:schemeClr val="bg1"/>
+                </a:solidFill>
+                <a:latin typeface="Times New Roman" panose="02020603050405020304" pitchFamily="18" charset="0"/>
+                <a:cs typeface="Times New Roman" panose="02020603050405020304" pitchFamily="18" charset="0"/>
+              </a:rPr>
+              <a:t> </a:t>
+            </a:r>
+            <a:r>
+              <a:rPr lang="en-US" sz="2400" dirty="0" err="1">
+                <a:solidFill>
+                  <a:schemeClr val="bg1"/>
+                </a:solidFill>
+                <a:latin typeface="Times New Roman" panose="02020603050405020304" pitchFamily="18" charset="0"/>
+                <a:cs typeface="Times New Roman" panose="02020603050405020304" pitchFamily="18" charset="0"/>
+              </a:rPr>
               <a:t>biểu</a:t>
             </a:r>
             <a:r>
@@ -8508,207 +7669,7 @@
                 <a:latin typeface="Times New Roman" panose="02020603050405020304" pitchFamily="18" charset="0"/>
                 <a:cs typeface="Times New Roman" panose="02020603050405020304" pitchFamily="18" charset="0"/>
               </a:rPr>
-              <a:t> </a:t>
-            </a:r>
-            <a:r>
-              <a:rPr lang="en-US" sz="2400" dirty="0" err="1">
-                <a:solidFill>
-                  <a:schemeClr val="bg1"/>
-                </a:solidFill>
-                <a:latin typeface="Times New Roman" panose="02020603050405020304" pitchFamily="18" charset="0"/>
-                <a:cs typeface="Times New Roman" panose="02020603050405020304" pitchFamily="18" charset="0"/>
-              </a:rPr>
-              <a:t>đồ</a:t>
-            </a:r>
-            <a:r>
-              <a:rPr lang="en-US" sz="2400" dirty="0">
-                <a:solidFill>
-                  <a:schemeClr val="bg1"/>
-                </a:solidFill>
-                <a:latin typeface="Times New Roman" panose="02020603050405020304" pitchFamily="18" charset="0"/>
-                <a:cs typeface="Times New Roman" panose="02020603050405020304" pitchFamily="18" charset="0"/>
-              </a:rPr>
-              <a:t>, </a:t>
-            </a:r>
-            <a:r>
-              <a:rPr lang="en-US" sz="2400" dirty="0" err="1">
-                <a:solidFill>
-                  <a:schemeClr val="bg1"/>
-                </a:solidFill>
-                <a:latin typeface="Times New Roman" panose="02020603050405020304" pitchFamily="18" charset="0"/>
-                <a:cs typeface="Times New Roman" panose="02020603050405020304" pitchFamily="18" charset="0"/>
-              </a:rPr>
-              <a:t>các</a:t>
-            </a:r>
-            <a:r>
-              <a:rPr lang="en-US" sz="2400" dirty="0">
-                <a:solidFill>
-                  <a:schemeClr val="bg1"/>
-                </a:solidFill>
-                <a:latin typeface="Times New Roman" panose="02020603050405020304" pitchFamily="18" charset="0"/>
-                <a:cs typeface="Times New Roman" panose="02020603050405020304" pitchFamily="18" charset="0"/>
-              </a:rPr>
-              <a:t> </a:t>
-            </a:r>
-            <a:r>
-              <a:rPr lang="en-US" sz="2400" dirty="0" err="1">
-                <a:solidFill>
-                  <a:schemeClr val="bg1"/>
-                </a:solidFill>
-                <a:latin typeface="Times New Roman" panose="02020603050405020304" pitchFamily="18" charset="0"/>
-                <a:cs typeface="Times New Roman" panose="02020603050405020304" pitchFamily="18" charset="0"/>
-              </a:rPr>
-              <a:t>kiểu</a:t>
-            </a:r>
-            <a:r>
-              <a:rPr lang="en-US" sz="2400" dirty="0">
-                <a:solidFill>
-                  <a:schemeClr val="bg1"/>
-                </a:solidFill>
-                <a:latin typeface="Times New Roman" panose="02020603050405020304" pitchFamily="18" charset="0"/>
-                <a:cs typeface="Times New Roman" panose="02020603050405020304" pitchFamily="18" charset="0"/>
-              </a:rPr>
-              <a:t> style </a:t>
-            </a:r>
-            <a:r>
-              <a:rPr lang="en-US" sz="2400" dirty="0" err="1">
-                <a:solidFill>
-                  <a:schemeClr val="bg1"/>
-                </a:solidFill>
-                <a:latin typeface="Times New Roman" panose="02020603050405020304" pitchFamily="18" charset="0"/>
-                <a:cs typeface="Times New Roman" panose="02020603050405020304" pitchFamily="18" charset="0"/>
-              </a:rPr>
-              <a:t>thường</a:t>
-            </a:r>
-            <a:r>
-              <a:rPr lang="en-US" sz="2400" dirty="0">
-                <a:solidFill>
-                  <a:schemeClr val="bg1"/>
-                </a:solidFill>
-                <a:latin typeface="Times New Roman" panose="02020603050405020304" pitchFamily="18" charset="0"/>
-                <a:cs typeface="Times New Roman" panose="02020603050405020304" pitchFamily="18" charset="0"/>
-              </a:rPr>
-              <a:t> </a:t>
-            </a:r>
-            <a:r>
-              <a:rPr lang="en-US" sz="2400" dirty="0" err="1">
-                <a:solidFill>
-                  <a:schemeClr val="bg1"/>
-                </a:solidFill>
-                <a:latin typeface="Times New Roman" panose="02020603050405020304" pitchFamily="18" charset="0"/>
-                <a:cs typeface="Times New Roman" panose="02020603050405020304" pitchFamily="18" charset="0"/>
-              </a:rPr>
-              <a:t>gặp</a:t>
-            </a:r>
-            <a:r>
-              <a:rPr lang="en-US" sz="2400" dirty="0">
-                <a:solidFill>
-                  <a:schemeClr val="bg1"/>
-                </a:solidFill>
-                <a:latin typeface="Times New Roman" panose="02020603050405020304" pitchFamily="18" charset="0"/>
-                <a:cs typeface="Times New Roman" panose="02020603050405020304" pitchFamily="18" charset="0"/>
-              </a:rPr>
-              <a:t> </a:t>
-            </a:r>
-            <a:r>
-              <a:rPr lang="en-US" sz="2400" dirty="0" err="1">
-                <a:solidFill>
-                  <a:schemeClr val="bg1"/>
-                </a:solidFill>
-                <a:latin typeface="Times New Roman" panose="02020603050405020304" pitchFamily="18" charset="0"/>
-                <a:cs typeface="Times New Roman" panose="02020603050405020304" pitchFamily="18" charset="0"/>
-              </a:rPr>
-              <a:t>trong</a:t>
-            </a:r>
-            <a:r>
-              <a:rPr lang="en-US" sz="2400" dirty="0">
-                <a:solidFill>
-                  <a:schemeClr val="bg1"/>
-                </a:solidFill>
-                <a:latin typeface="Times New Roman" panose="02020603050405020304" pitchFamily="18" charset="0"/>
-                <a:cs typeface="Times New Roman" panose="02020603050405020304" pitchFamily="18" charset="0"/>
-              </a:rPr>
-              <a:t> </a:t>
-            </a:r>
-            <a:r>
-              <a:rPr lang="en-US" sz="2400" dirty="0" err="1">
-                <a:solidFill>
-                  <a:schemeClr val="bg1"/>
-                </a:solidFill>
-                <a:latin typeface="Times New Roman" panose="02020603050405020304" pitchFamily="18" charset="0"/>
-                <a:cs typeface="Times New Roman" panose="02020603050405020304" pitchFamily="18" charset="0"/>
-              </a:rPr>
-              <a:t>văn</a:t>
-            </a:r>
-            <a:r>
-              <a:rPr lang="en-US" sz="2400" dirty="0">
-                <a:solidFill>
-                  <a:schemeClr val="bg1"/>
-                </a:solidFill>
-                <a:latin typeface="Times New Roman" panose="02020603050405020304" pitchFamily="18" charset="0"/>
-                <a:cs typeface="Times New Roman" panose="02020603050405020304" pitchFamily="18" charset="0"/>
-              </a:rPr>
-              <a:t> </a:t>
-            </a:r>
-            <a:r>
-              <a:rPr lang="en-US" sz="2400" dirty="0" err="1">
-                <a:solidFill>
-                  <a:schemeClr val="bg1"/>
-                </a:solidFill>
-                <a:latin typeface="Times New Roman" panose="02020603050405020304" pitchFamily="18" charset="0"/>
-                <a:cs typeface="Times New Roman" panose="02020603050405020304" pitchFamily="18" charset="0"/>
-              </a:rPr>
-              <a:t>bản</a:t>
-            </a:r>
-            <a:r>
-              <a:rPr lang="en-US" sz="2400" dirty="0">
-                <a:solidFill>
-                  <a:schemeClr val="bg1"/>
-                </a:solidFill>
-                <a:latin typeface="Times New Roman" panose="02020603050405020304" pitchFamily="18" charset="0"/>
-                <a:cs typeface="Times New Roman" panose="02020603050405020304" pitchFamily="18" charset="0"/>
-              </a:rPr>
-              <a:t>, </a:t>
-            </a:r>
-            <a:r>
-              <a:rPr lang="en-US" sz="2400" dirty="0" err="1">
-                <a:solidFill>
-                  <a:schemeClr val="bg1"/>
-                </a:solidFill>
-                <a:latin typeface="Times New Roman" panose="02020603050405020304" pitchFamily="18" charset="0"/>
-                <a:cs typeface="Times New Roman" panose="02020603050405020304" pitchFamily="18" charset="0"/>
-              </a:rPr>
-              <a:t>tài</a:t>
-            </a:r>
-            <a:r>
-              <a:rPr lang="en-US" sz="2400" dirty="0">
-                <a:solidFill>
-                  <a:schemeClr val="bg1"/>
-                </a:solidFill>
-                <a:latin typeface="Times New Roman" panose="02020603050405020304" pitchFamily="18" charset="0"/>
-                <a:cs typeface="Times New Roman" panose="02020603050405020304" pitchFamily="18" charset="0"/>
-              </a:rPr>
-              <a:t> </a:t>
-            </a:r>
-            <a:r>
-              <a:rPr lang="en-US" sz="2400" dirty="0" err="1">
-                <a:solidFill>
-                  <a:schemeClr val="bg1"/>
-                </a:solidFill>
-                <a:latin typeface="Times New Roman" panose="02020603050405020304" pitchFamily="18" charset="0"/>
-                <a:cs typeface="Times New Roman" panose="02020603050405020304" pitchFamily="18" charset="0"/>
-              </a:rPr>
-              <a:t>liệu</a:t>
-            </a:r>
-            <a:r>
-              <a:rPr lang="en-US" sz="2400" dirty="0">
-                <a:solidFill>
-                  <a:schemeClr val="bg1"/>
-                </a:solidFill>
-                <a:latin typeface="Times New Roman" panose="02020603050405020304" pitchFamily="18" charset="0"/>
-                <a:cs typeface="Times New Roman" panose="02020603050405020304" pitchFamily="18" charset="0"/>
-              </a:rPr>
-              <a:t>.</a:t>
+              <a:t>, …</a:t>
             </a:r>
           </a:p>
           <a:p>
@@ -8843,187 +7804,127 @@
                 <a:latin typeface="Times New Roman" panose="02020603050405020304" pitchFamily="18" charset="0"/>
                 <a:cs typeface="Times New Roman" panose="02020603050405020304" pitchFamily="18" charset="0"/>
               </a:rPr>
-              <a:t>dịch</a:t>
-            </a:r>
-            <a:r>
-              <a:rPr lang="en-US" sz="2400" dirty="0">
-                <a:solidFill>
-                  <a:schemeClr val="bg1"/>
-                </a:solidFill>
-                <a:latin typeface="Times New Roman" panose="02020603050405020304" pitchFamily="18" charset="0"/>
-                <a:cs typeface="Times New Roman" panose="02020603050405020304" pitchFamily="18" charset="0"/>
-              </a:rPr>
-              <a:t> </a:t>
-            </a:r>
-            <a:r>
-              <a:rPr lang="en-US" sz="2400" dirty="0" err="1">
-                <a:solidFill>
-                  <a:schemeClr val="bg1"/>
-                </a:solidFill>
-                <a:latin typeface="Times New Roman" panose="02020603050405020304" pitchFamily="18" charset="0"/>
-                <a:cs typeface="Times New Roman" panose="02020603050405020304" pitchFamily="18" charset="0"/>
-              </a:rPr>
-              <a:t>realtime</a:t>
-            </a:r>
-            <a:r>
-              <a:rPr lang="en-US" sz="2400" dirty="0">
-                <a:solidFill>
-                  <a:schemeClr val="bg1"/>
-                </a:solidFill>
-                <a:latin typeface="Times New Roman" panose="02020603050405020304" pitchFamily="18" charset="0"/>
-                <a:cs typeface="Times New Roman" panose="02020603050405020304" pitchFamily="18" charset="0"/>
-              </a:rPr>
-              <a:t>, </a:t>
-            </a:r>
-            <a:r>
-              <a:rPr lang="en-US" sz="2400" dirty="0" err="1">
-                <a:solidFill>
-                  <a:schemeClr val="bg1"/>
-                </a:solidFill>
-                <a:latin typeface="Times New Roman" panose="02020603050405020304" pitchFamily="18" charset="0"/>
-                <a:cs typeface="Times New Roman" panose="02020603050405020304" pitchFamily="18" charset="0"/>
-              </a:rPr>
-              <a:t>đăng</a:t>
-            </a:r>
-            <a:r>
-              <a:rPr lang="en-US" sz="2400" dirty="0">
-                <a:solidFill>
-                  <a:schemeClr val="bg1"/>
-                </a:solidFill>
-                <a:latin typeface="Times New Roman" panose="02020603050405020304" pitchFamily="18" charset="0"/>
-                <a:cs typeface="Times New Roman" panose="02020603050405020304" pitchFamily="18" charset="0"/>
-              </a:rPr>
-              <a:t> </a:t>
-            </a:r>
-            <a:r>
-              <a:rPr lang="en-US" sz="2400" dirty="0" err="1">
-                <a:solidFill>
-                  <a:schemeClr val="bg1"/>
-                </a:solidFill>
-                <a:latin typeface="Times New Roman" panose="02020603050405020304" pitchFamily="18" charset="0"/>
-                <a:cs typeface="Times New Roman" panose="02020603050405020304" pitchFamily="18" charset="0"/>
-              </a:rPr>
-              <a:t>tải</a:t>
-            </a:r>
-            <a:r>
-              <a:rPr lang="en-US" sz="2400" dirty="0">
-                <a:solidFill>
-                  <a:schemeClr val="bg1"/>
-                </a:solidFill>
-                <a:latin typeface="Times New Roman" panose="02020603050405020304" pitchFamily="18" charset="0"/>
-                <a:cs typeface="Times New Roman" panose="02020603050405020304" pitchFamily="18" charset="0"/>
-              </a:rPr>
-              <a:t> </a:t>
-            </a:r>
-            <a:r>
-              <a:rPr lang="en-US" sz="2400" dirty="0" err="1">
-                <a:solidFill>
-                  <a:schemeClr val="bg1"/>
-                </a:solidFill>
-                <a:latin typeface="Times New Roman" panose="02020603050405020304" pitchFamily="18" charset="0"/>
-                <a:cs typeface="Times New Roman" panose="02020603050405020304" pitchFamily="18" charset="0"/>
-              </a:rPr>
-              <a:t>bài</a:t>
-            </a:r>
-            <a:r>
-              <a:rPr lang="en-US" sz="2400" dirty="0">
-                <a:solidFill>
-                  <a:schemeClr val="bg1"/>
-                </a:solidFill>
-                <a:latin typeface="Times New Roman" panose="02020603050405020304" pitchFamily="18" charset="0"/>
-                <a:cs typeface="Times New Roman" panose="02020603050405020304" pitchFamily="18" charset="0"/>
-              </a:rPr>
-              <a:t> </a:t>
-            </a:r>
-            <a:r>
-              <a:rPr lang="en-US" sz="2400" dirty="0" err="1">
-                <a:solidFill>
-                  <a:schemeClr val="bg1"/>
-                </a:solidFill>
-                <a:latin typeface="Times New Roman" panose="02020603050405020304" pitchFamily="18" charset="0"/>
-                <a:cs typeface="Times New Roman" panose="02020603050405020304" pitchFamily="18" charset="0"/>
-              </a:rPr>
-              <a:t>viết</a:t>
-            </a:r>
-            <a:r>
-              <a:rPr lang="en-US" sz="2400" dirty="0">
-                <a:solidFill>
-                  <a:schemeClr val="bg1"/>
-                </a:solidFill>
-                <a:latin typeface="Times New Roman" panose="02020603050405020304" pitchFamily="18" charset="0"/>
-                <a:cs typeface="Times New Roman" panose="02020603050405020304" pitchFamily="18" charset="0"/>
-              </a:rPr>
-              <a:t> </a:t>
-            </a:r>
-            <a:r>
-              <a:rPr lang="en-US" sz="2400" dirty="0" err="1">
-                <a:solidFill>
-                  <a:schemeClr val="bg1"/>
-                </a:solidFill>
-                <a:latin typeface="Times New Roman" panose="02020603050405020304" pitchFamily="18" charset="0"/>
-                <a:cs typeface="Times New Roman" panose="02020603050405020304" pitchFamily="18" charset="0"/>
-              </a:rPr>
-              <a:t>tìm</a:t>
-            </a:r>
-            <a:r>
-              <a:rPr lang="en-US" sz="2400" dirty="0">
-                <a:solidFill>
-                  <a:schemeClr val="bg1"/>
-                </a:solidFill>
-                <a:latin typeface="Times New Roman" panose="02020603050405020304" pitchFamily="18" charset="0"/>
-                <a:cs typeface="Times New Roman" panose="02020603050405020304" pitchFamily="18" charset="0"/>
-              </a:rPr>
-              <a:t> </a:t>
-            </a:r>
-            <a:r>
-              <a:rPr lang="en-US" sz="2400" dirty="0" err="1">
-                <a:solidFill>
-                  <a:schemeClr val="bg1"/>
-                </a:solidFill>
-                <a:latin typeface="Times New Roman" panose="02020603050405020304" pitchFamily="18" charset="0"/>
-                <a:cs typeface="Times New Roman" panose="02020603050405020304" pitchFamily="18" charset="0"/>
-              </a:rPr>
-              <a:t>kiếm</a:t>
-            </a:r>
-            <a:r>
-              <a:rPr lang="en-US" sz="2400" dirty="0">
-                <a:solidFill>
-                  <a:schemeClr val="bg1"/>
-                </a:solidFill>
-                <a:latin typeface="Times New Roman" panose="02020603050405020304" pitchFamily="18" charset="0"/>
-                <a:cs typeface="Times New Roman" panose="02020603050405020304" pitchFamily="18" charset="0"/>
-              </a:rPr>
-              <a:t> </a:t>
-            </a:r>
-            <a:r>
-              <a:rPr lang="en-US" sz="2400" dirty="0" err="1">
-                <a:solidFill>
-                  <a:schemeClr val="bg1"/>
-                </a:solidFill>
-                <a:latin typeface="Times New Roman" panose="02020603050405020304" pitchFamily="18" charset="0"/>
-                <a:cs typeface="Times New Roman" panose="02020603050405020304" pitchFamily="18" charset="0"/>
-              </a:rPr>
-              <a:t>dịch</a:t>
-            </a:r>
-            <a:r>
-              <a:rPr lang="en-US" sz="2400" dirty="0">
-                <a:solidFill>
-                  <a:schemeClr val="bg1"/>
-                </a:solidFill>
-                <a:latin typeface="Times New Roman" panose="02020603050405020304" pitchFamily="18" charset="0"/>
-                <a:cs typeface="Times New Roman" panose="02020603050405020304" pitchFamily="18" charset="0"/>
-              </a:rPr>
-              <a:t> </a:t>
-            </a:r>
-            <a:r>
-              <a:rPr lang="en-US" sz="2400" dirty="0" err="1">
-                <a:solidFill>
-                  <a:schemeClr val="bg1"/>
-                </a:solidFill>
-                <a:latin typeface="Times New Roman" panose="02020603050405020304" pitchFamily="18" charset="0"/>
-                <a:cs typeface="Times New Roman" panose="02020603050405020304" pitchFamily="18" charset="0"/>
-              </a:rPr>
-              <a:t>giả</a:t>
+              <a:t>thanh</a:t>
+            </a:r>
+            <a:r>
+              <a:rPr lang="en-US" sz="2400" dirty="0">
+                <a:solidFill>
+                  <a:schemeClr val="bg1"/>
+                </a:solidFill>
+                <a:latin typeface="Times New Roman" panose="02020603050405020304" pitchFamily="18" charset="0"/>
+                <a:cs typeface="Times New Roman" panose="02020603050405020304" pitchFamily="18" charset="0"/>
+              </a:rPr>
+              <a:t> </a:t>
+            </a:r>
+            <a:r>
+              <a:rPr lang="en-US" sz="2400" dirty="0" err="1">
+                <a:solidFill>
+                  <a:schemeClr val="bg1"/>
+                </a:solidFill>
+                <a:latin typeface="Times New Roman" panose="02020603050405020304" pitchFamily="18" charset="0"/>
+                <a:cs typeface="Times New Roman" panose="02020603050405020304" pitchFamily="18" charset="0"/>
+              </a:rPr>
+              <a:t>toán</a:t>
+            </a:r>
+            <a:r>
+              <a:rPr lang="en-US" sz="2400" dirty="0">
+                <a:solidFill>
+                  <a:schemeClr val="bg1"/>
+                </a:solidFill>
+                <a:latin typeface="Times New Roman" panose="02020603050405020304" pitchFamily="18" charset="0"/>
+                <a:cs typeface="Times New Roman" panose="02020603050405020304" pitchFamily="18" charset="0"/>
+              </a:rPr>
+              <a:t> </a:t>
+            </a:r>
+            <a:r>
+              <a:rPr lang="en-US" sz="2400" dirty="0" err="1">
+                <a:solidFill>
+                  <a:schemeClr val="bg1"/>
+                </a:solidFill>
+                <a:latin typeface="Times New Roman" panose="02020603050405020304" pitchFamily="18" charset="0"/>
+                <a:cs typeface="Times New Roman" panose="02020603050405020304" pitchFamily="18" charset="0"/>
+              </a:rPr>
+              <a:t>học</a:t>
+            </a:r>
+            <a:r>
+              <a:rPr lang="en-US" sz="2400" dirty="0">
+                <a:solidFill>
+                  <a:schemeClr val="bg1"/>
+                </a:solidFill>
+                <a:latin typeface="Times New Roman" panose="02020603050405020304" pitchFamily="18" charset="0"/>
+                <a:cs typeface="Times New Roman" panose="02020603050405020304" pitchFamily="18" charset="0"/>
+              </a:rPr>
+              <a:t> </a:t>
+            </a:r>
+            <a:r>
+              <a:rPr lang="en-US" sz="2400" dirty="0" err="1">
+                <a:solidFill>
+                  <a:schemeClr val="bg1"/>
+                </a:solidFill>
+                <a:latin typeface="Times New Roman" panose="02020603050405020304" pitchFamily="18" charset="0"/>
+                <a:cs typeface="Times New Roman" panose="02020603050405020304" pitchFamily="18" charset="0"/>
+              </a:rPr>
+              <a:t>phí</a:t>
+            </a:r>
+            <a:r>
+              <a:rPr lang="en-US" sz="2400" dirty="0">
+                <a:solidFill>
+                  <a:schemeClr val="bg1"/>
+                </a:solidFill>
+                <a:latin typeface="Times New Roman" panose="02020603050405020304" pitchFamily="18" charset="0"/>
+                <a:cs typeface="Times New Roman" panose="02020603050405020304" pitchFamily="18" charset="0"/>
+              </a:rPr>
+              <a:t> online, </a:t>
+            </a:r>
+            <a:r>
+              <a:rPr lang="en-US" sz="2400" dirty="0" err="1">
+                <a:solidFill>
+                  <a:schemeClr val="bg1"/>
+                </a:solidFill>
+                <a:latin typeface="Times New Roman" panose="02020603050405020304" pitchFamily="18" charset="0"/>
+                <a:cs typeface="Times New Roman" panose="02020603050405020304" pitchFamily="18" charset="0"/>
+              </a:rPr>
+              <a:t>xét</a:t>
+            </a:r>
+            <a:r>
+              <a:rPr lang="en-US" sz="2400" dirty="0">
+                <a:solidFill>
+                  <a:schemeClr val="bg1"/>
+                </a:solidFill>
+                <a:latin typeface="Times New Roman" panose="02020603050405020304" pitchFamily="18" charset="0"/>
+                <a:cs typeface="Times New Roman" panose="02020603050405020304" pitchFamily="18" charset="0"/>
+              </a:rPr>
+              <a:t> </a:t>
+            </a:r>
+            <a:r>
+              <a:rPr lang="en-US" sz="2400" dirty="0" err="1">
+                <a:solidFill>
+                  <a:schemeClr val="bg1"/>
+                </a:solidFill>
+                <a:latin typeface="Times New Roman" panose="02020603050405020304" pitchFamily="18" charset="0"/>
+                <a:cs typeface="Times New Roman" panose="02020603050405020304" pitchFamily="18" charset="0"/>
+              </a:rPr>
+              <a:t>lên</a:t>
+            </a:r>
+            <a:r>
+              <a:rPr lang="en-US" sz="2400" dirty="0">
+                <a:solidFill>
+                  <a:schemeClr val="bg1"/>
+                </a:solidFill>
+                <a:latin typeface="Times New Roman" panose="02020603050405020304" pitchFamily="18" charset="0"/>
+                <a:cs typeface="Times New Roman" panose="02020603050405020304" pitchFamily="18" charset="0"/>
+              </a:rPr>
+              <a:t> </a:t>
+            </a:r>
+            <a:r>
+              <a:rPr lang="en-US" sz="2400" dirty="0" err="1">
+                <a:solidFill>
+                  <a:schemeClr val="bg1"/>
+                </a:solidFill>
+                <a:latin typeface="Times New Roman" panose="02020603050405020304" pitchFamily="18" charset="0"/>
+                <a:cs typeface="Times New Roman" panose="02020603050405020304" pitchFamily="18" charset="0"/>
+              </a:rPr>
+              <a:t>lớp</a:t>
             </a:r>
             <a:r>
               <a:rPr lang="en-US" sz="2400" dirty="0">
@@ -9108,117 +8009,562 @@
                 <a:latin typeface="Times New Roman" panose="02020603050405020304" pitchFamily="18" charset="0"/>
                 <a:cs typeface="Times New Roman" panose="02020603050405020304" pitchFamily="18" charset="0"/>
               </a:rPr>
-              <a:t>hệ</a:t>
-            </a:r>
-            <a:r>
-              <a:rPr lang="en-US" sz="2400" dirty="0">
-                <a:solidFill>
-                  <a:schemeClr val="bg1"/>
-                </a:solidFill>
-                <a:latin typeface="Times New Roman" panose="02020603050405020304" pitchFamily="18" charset="0"/>
-                <a:cs typeface="Times New Roman" panose="02020603050405020304" pitchFamily="18" charset="0"/>
-              </a:rPr>
-              <a:t> </a:t>
-            </a:r>
-            <a:r>
-              <a:rPr lang="en-US" sz="2400" dirty="0" err="1">
-                <a:solidFill>
-                  <a:schemeClr val="bg1"/>
-                </a:solidFill>
-                <a:latin typeface="Times New Roman" panose="02020603050405020304" pitchFamily="18" charset="0"/>
-                <a:cs typeface="Times New Roman" panose="02020603050405020304" pitchFamily="18" charset="0"/>
-              </a:rPr>
-              <a:t>thống</a:t>
-            </a:r>
-            <a:r>
-              <a:rPr lang="en-US" sz="2400" dirty="0">
-                <a:solidFill>
-                  <a:schemeClr val="bg1"/>
-                </a:solidFill>
-                <a:latin typeface="Times New Roman" panose="02020603050405020304" pitchFamily="18" charset="0"/>
-                <a:cs typeface="Times New Roman" panose="02020603050405020304" pitchFamily="18" charset="0"/>
-              </a:rPr>
-              <a:t> </a:t>
-            </a:r>
-            <a:r>
-              <a:rPr lang="en-US" sz="2400" dirty="0" err="1">
-                <a:solidFill>
-                  <a:schemeClr val="bg1"/>
-                </a:solidFill>
-                <a:latin typeface="Times New Roman" panose="02020603050405020304" pitchFamily="18" charset="0"/>
-                <a:cs typeface="Times New Roman" panose="02020603050405020304" pitchFamily="18" charset="0"/>
-              </a:rPr>
-              <a:t>với</a:t>
-            </a:r>
-            <a:r>
-              <a:rPr lang="en-US" sz="2400" dirty="0">
-                <a:solidFill>
-                  <a:schemeClr val="bg1"/>
-                </a:solidFill>
-                <a:latin typeface="Times New Roman" panose="02020603050405020304" pitchFamily="18" charset="0"/>
-                <a:cs typeface="Times New Roman" panose="02020603050405020304" pitchFamily="18" charset="0"/>
-              </a:rPr>
-              <a:t> </a:t>
-            </a:r>
-            <a:r>
-              <a:rPr lang="en-US" sz="2400" dirty="0" err="1">
-                <a:solidFill>
-                  <a:schemeClr val="bg1"/>
-                </a:solidFill>
-                <a:latin typeface="Times New Roman" panose="02020603050405020304" pitchFamily="18" charset="0"/>
-                <a:cs typeface="Times New Roman" panose="02020603050405020304" pitchFamily="18" charset="0"/>
-              </a:rPr>
-              <a:t>phiên</a:t>
-            </a:r>
-            <a:r>
-              <a:rPr lang="en-US" sz="2400" dirty="0">
-                <a:solidFill>
-                  <a:schemeClr val="bg1"/>
-                </a:solidFill>
-                <a:latin typeface="Times New Roman" panose="02020603050405020304" pitchFamily="18" charset="0"/>
-                <a:cs typeface="Times New Roman" panose="02020603050405020304" pitchFamily="18" charset="0"/>
-              </a:rPr>
-              <a:t> </a:t>
-            </a:r>
-            <a:r>
-              <a:rPr lang="en-US" sz="2400" dirty="0" err="1">
-                <a:solidFill>
-                  <a:schemeClr val="bg1"/>
-                </a:solidFill>
-                <a:latin typeface="Times New Roman" panose="02020603050405020304" pitchFamily="18" charset="0"/>
-                <a:cs typeface="Times New Roman" panose="02020603050405020304" pitchFamily="18" charset="0"/>
-              </a:rPr>
-              <a:t>bản</a:t>
-            </a:r>
-            <a:r>
-              <a:rPr lang="en-US" sz="2400" dirty="0">
-                <a:solidFill>
-                  <a:schemeClr val="bg1"/>
-                </a:solidFill>
-                <a:latin typeface="Times New Roman" panose="02020603050405020304" pitchFamily="18" charset="0"/>
-                <a:cs typeface="Times New Roman" panose="02020603050405020304" pitchFamily="18" charset="0"/>
-              </a:rPr>
-              <a:t> app desktop </a:t>
-            </a:r>
-            <a:r>
-              <a:rPr lang="en-US" sz="2400" dirty="0" err="1">
-                <a:solidFill>
-                  <a:schemeClr val="bg1"/>
-                </a:solidFill>
-                <a:latin typeface="Times New Roman" panose="02020603050405020304" pitchFamily="18" charset="0"/>
-                <a:cs typeface="Times New Roman" panose="02020603050405020304" pitchFamily="18" charset="0"/>
-              </a:rPr>
-              <a:t>với</a:t>
-            </a:r>
-            <a:r>
-              <a:rPr lang="en-US" sz="2400" dirty="0">
-                <a:solidFill>
-                  <a:schemeClr val="bg1"/>
-                </a:solidFill>
-                <a:latin typeface="Times New Roman" panose="02020603050405020304" pitchFamily="18" charset="0"/>
-                <a:cs typeface="Times New Roman" panose="02020603050405020304" pitchFamily="18" charset="0"/>
-              </a:rPr>
-              <a:t> Electron.</a:t>
+              <a:t>ứng</a:t>
+            </a:r>
+            <a:r>
+              <a:rPr lang="en-US" sz="2400" dirty="0">
+                <a:solidFill>
+                  <a:schemeClr val="bg1"/>
+                </a:solidFill>
+                <a:latin typeface="Times New Roman" panose="02020603050405020304" pitchFamily="18" charset="0"/>
+                <a:cs typeface="Times New Roman" panose="02020603050405020304" pitchFamily="18" charset="0"/>
+              </a:rPr>
+              <a:t> </a:t>
+            </a:r>
+            <a:r>
+              <a:rPr lang="en-US" sz="2400" dirty="0" err="1">
+                <a:solidFill>
+                  <a:schemeClr val="bg1"/>
+                </a:solidFill>
+                <a:latin typeface="Times New Roman" panose="02020603050405020304" pitchFamily="18" charset="0"/>
+                <a:cs typeface="Times New Roman" panose="02020603050405020304" pitchFamily="18" charset="0"/>
+              </a:rPr>
+              <a:t>dụng</a:t>
+            </a:r>
+            <a:r>
+              <a:rPr lang="en-US" sz="2400" dirty="0">
+                <a:solidFill>
+                  <a:schemeClr val="bg1"/>
+                </a:solidFill>
+                <a:latin typeface="Times New Roman" panose="02020603050405020304" pitchFamily="18" charset="0"/>
+                <a:cs typeface="Times New Roman" panose="02020603050405020304" pitchFamily="18" charset="0"/>
+              </a:rPr>
+              <a:t> </a:t>
+            </a:r>
+            <a:r>
+              <a:rPr lang="en-US" sz="2400" dirty="0" err="1">
+                <a:solidFill>
+                  <a:schemeClr val="bg1"/>
+                </a:solidFill>
+                <a:latin typeface="Times New Roman" panose="02020603050405020304" pitchFamily="18" charset="0"/>
+                <a:cs typeface="Times New Roman" panose="02020603050405020304" pitchFamily="18" charset="0"/>
+              </a:rPr>
+              <a:t>có</a:t>
+            </a:r>
+            <a:r>
+              <a:rPr lang="en-US" sz="2400" dirty="0">
+                <a:solidFill>
+                  <a:schemeClr val="bg1"/>
+                </a:solidFill>
+                <a:latin typeface="Times New Roman" panose="02020603050405020304" pitchFamily="18" charset="0"/>
+                <a:cs typeface="Times New Roman" panose="02020603050405020304" pitchFamily="18" charset="0"/>
+              </a:rPr>
+              <a:t> </a:t>
+            </a:r>
+            <a:r>
+              <a:rPr lang="en-US" sz="2400" dirty="0" err="1">
+                <a:solidFill>
+                  <a:schemeClr val="bg1"/>
+                </a:solidFill>
+                <a:latin typeface="Times New Roman" panose="02020603050405020304" pitchFamily="18" charset="0"/>
+                <a:cs typeface="Times New Roman" panose="02020603050405020304" pitchFamily="18" charset="0"/>
+              </a:rPr>
+              <a:t>thể</a:t>
+            </a:r>
+            <a:r>
+              <a:rPr lang="en-US" sz="2400" dirty="0">
+                <a:solidFill>
+                  <a:schemeClr val="bg1"/>
+                </a:solidFill>
+                <a:latin typeface="Times New Roman" panose="02020603050405020304" pitchFamily="18" charset="0"/>
+                <a:cs typeface="Times New Roman" panose="02020603050405020304" pitchFamily="18" charset="0"/>
+              </a:rPr>
+              <a:t> </a:t>
+            </a:r>
+            <a:r>
+              <a:rPr lang="en-US" sz="2400" dirty="0" err="1">
+                <a:solidFill>
+                  <a:schemeClr val="bg1"/>
+                </a:solidFill>
+                <a:latin typeface="Times New Roman" panose="02020603050405020304" pitchFamily="18" charset="0"/>
+                <a:cs typeface="Times New Roman" panose="02020603050405020304" pitchFamily="18" charset="0"/>
+              </a:rPr>
+              <a:t>chạy</a:t>
+            </a:r>
+            <a:r>
+              <a:rPr lang="en-US" sz="2400" dirty="0">
+                <a:solidFill>
+                  <a:schemeClr val="bg1"/>
+                </a:solidFill>
+                <a:latin typeface="Times New Roman" panose="02020603050405020304" pitchFamily="18" charset="0"/>
+                <a:cs typeface="Times New Roman" panose="02020603050405020304" pitchFamily="18" charset="0"/>
+              </a:rPr>
+              <a:t> </a:t>
+            </a:r>
+            <a:r>
+              <a:rPr lang="en-US" sz="2400" dirty="0" err="1">
+                <a:solidFill>
+                  <a:schemeClr val="bg1"/>
+                </a:solidFill>
+                <a:latin typeface="Times New Roman" panose="02020603050405020304" pitchFamily="18" charset="0"/>
+                <a:cs typeface="Times New Roman" panose="02020603050405020304" pitchFamily="18" charset="0"/>
+              </a:rPr>
+              <a:t>trên</a:t>
+            </a:r>
+            <a:r>
+              <a:rPr lang="en-US" sz="2400" dirty="0">
+                <a:solidFill>
+                  <a:schemeClr val="bg1"/>
+                </a:solidFill>
+                <a:latin typeface="Times New Roman" panose="02020603050405020304" pitchFamily="18" charset="0"/>
+                <a:cs typeface="Times New Roman" panose="02020603050405020304" pitchFamily="18" charset="0"/>
+              </a:rPr>
+              <a:t> </a:t>
+            </a:r>
+            <a:r>
+              <a:rPr lang="en-US" sz="2400" dirty="0" err="1">
+                <a:solidFill>
+                  <a:schemeClr val="bg1"/>
+                </a:solidFill>
+                <a:latin typeface="Times New Roman" panose="02020603050405020304" pitchFamily="18" charset="0"/>
+                <a:cs typeface="Times New Roman" panose="02020603050405020304" pitchFamily="18" charset="0"/>
+              </a:rPr>
+              <a:t>nhiều</a:t>
+            </a:r>
+            <a:r>
+              <a:rPr lang="en-US" sz="2400" dirty="0">
+                <a:solidFill>
+                  <a:schemeClr val="bg1"/>
+                </a:solidFill>
+                <a:latin typeface="Times New Roman" panose="02020603050405020304" pitchFamily="18" charset="0"/>
+                <a:cs typeface="Times New Roman" panose="02020603050405020304" pitchFamily="18" charset="0"/>
+              </a:rPr>
+              <a:t> </a:t>
+            </a:r>
+            <a:r>
+              <a:rPr lang="en-US" sz="2400" dirty="0" err="1">
+                <a:solidFill>
+                  <a:schemeClr val="bg1"/>
+                </a:solidFill>
+                <a:latin typeface="Times New Roman" panose="02020603050405020304" pitchFamily="18" charset="0"/>
+                <a:cs typeface="Times New Roman" panose="02020603050405020304" pitchFamily="18" charset="0"/>
+              </a:rPr>
+              <a:t>nền</a:t>
+            </a:r>
+            <a:r>
+              <a:rPr lang="en-US" sz="2400" dirty="0">
+                <a:solidFill>
+                  <a:schemeClr val="bg1"/>
+                </a:solidFill>
+                <a:latin typeface="Times New Roman" panose="02020603050405020304" pitchFamily="18" charset="0"/>
+                <a:cs typeface="Times New Roman" panose="02020603050405020304" pitchFamily="18" charset="0"/>
+              </a:rPr>
+              <a:t> </a:t>
+            </a:r>
+            <a:r>
+              <a:rPr lang="en-US" sz="2400" dirty="0" err="1">
+                <a:solidFill>
+                  <a:schemeClr val="bg1"/>
+                </a:solidFill>
+                <a:latin typeface="Times New Roman" panose="02020603050405020304" pitchFamily="18" charset="0"/>
+                <a:cs typeface="Times New Roman" panose="02020603050405020304" pitchFamily="18" charset="0"/>
+              </a:rPr>
+              <a:t>tảng</a:t>
+            </a:r>
+            <a:r>
+              <a:rPr lang="en-US" sz="2400" dirty="0">
+                <a:solidFill>
+                  <a:schemeClr val="bg1"/>
+                </a:solidFill>
+                <a:latin typeface="Times New Roman" panose="02020603050405020304" pitchFamily="18" charset="0"/>
+                <a:cs typeface="Times New Roman" panose="02020603050405020304" pitchFamily="18" charset="0"/>
+              </a:rPr>
+              <a:t> </a:t>
+            </a:r>
+            <a:r>
+              <a:rPr lang="en-US" sz="2400" dirty="0" err="1">
+                <a:solidFill>
+                  <a:schemeClr val="bg1"/>
+                </a:solidFill>
+                <a:latin typeface="Times New Roman" panose="02020603050405020304" pitchFamily="18" charset="0"/>
+                <a:cs typeface="Times New Roman" panose="02020603050405020304" pitchFamily="18" charset="0"/>
+              </a:rPr>
+              <a:t>khác</a:t>
+            </a:r>
+            <a:r>
+              <a:rPr lang="en-US" sz="2400" dirty="0">
+                <a:solidFill>
+                  <a:schemeClr val="bg1"/>
+                </a:solidFill>
+                <a:latin typeface="Times New Roman" panose="02020603050405020304" pitchFamily="18" charset="0"/>
+                <a:cs typeface="Times New Roman" panose="02020603050405020304" pitchFamily="18" charset="0"/>
+              </a:rPr>
+              <a:t> </a:t>
+            </a:r>
+            <a:r>
+              <a:rPr lang="en-US" sz="2400" dirty="0" err="1">
+                <a:solidFill>
+                  <a:schemeClr val="bg1"/>
+                </a:solidFill>
+                <a:latin typeface="Times New Roman" panose="02020603050405020304" pitchFamily="18" charset="0"/>
+                <a:cs typeface="Times New Roman" panose="02020603050405020304" pitchFamily="18" charset="0"/>
+              </a:rPr>
+              <a:t>như</a:t>
+            </a:r>
+            <a:r>
+              <a:rPr lang="en-US" sz="2400" dirty="0">
+                <a:solidFill>
+                  <a:schemeClr val="bg1"/>
+                </a:solidFill>
+                <a:latin typeface="Times New Roman" panose="02020603050405020304" pitchFamily="18" charset="0"/>
+                <a:cs typeface="Times New Roman" panose="02020603050405020304" pitchFamily="18" charset="0"/>
+              </a:rPr>
+              <a:t> </a:t>
+            </a:r>
+            <a:r>
+              <a:rPr lang="en-US" sz="2400" dirty="0" err="1">
+                <a:solidFill>
+                  <a:schemeClr val="bg1"/>
+                </a:solidFill>
+                <a:latin typeface="Times New Roman" panose="02020603050405020304" pitchFamily="18" charset="0"/>
+                <a:cs typeface="Times New Roman" panose="02020603050405020304" pitchFamily="18" charset="0"/>
+              </a:rPr>
+              <a:t>WebAssembly</a:t>
+            </a:r>
+            <a:r>
+              <a:rPr lang="en-US" sz="2400" dirty="0">
+                <a:solidFill>
+                  <a:schemeClr val="bg1"/>
+                </a:solidFill>
+                <a:latin typeface="Times New Roman" panose="02020603050405020304" pitchFamily="18" charset="0"/>
+                <a:cs typeface="Times New Roman" panose="02020603050405020304" pitchFamily="18" charset="0"/>
+              </a:rPr>
+              <a:t>, MacOS, </a:t>
+            </a:r>
+            <a:r>
+              <a:rPr lang="en-US" sz="2400" dirty="0" err="1">
+                <a:solidFill>
+                  <a:schemeClr val="bg1"/>
+                </a:solidFill>
+                <a:latin typeface="Times New Roman" panose="02020603050405020304" pitchFamily="18" charset="0"/>
+                <a:cs typeface="Times New Roman" panose="02020603050405020304" pitchFamily="18" charset="0"/>
+              </a:rPr>
+              <a:t>và</a:t>
+            </a:r>
+            <a:r>
+              <a:rPr lang="en-US" sz="2400" dirty="0">
+                <a:solidFill>
+                  <a:schemeClr val="bg1"/>
+                </a:solidFill>
+                <a:latin typeface="Times New Roman" panose="02020603050405020304" pitchFamily="18" charset="0"/>
+                <a:cs typeface="Times New Roman" panose="02020603050405020304" pitchFamily="18" charset="0"/>
+              </a:rPr>
+              <a:t> IOS.</a:t>
+            </a:r>
+          </a:p>
+          <a:p>
+            <a:pPr marL="342900" indent="-342900">
+              <a:buClr>
+                <a:schemeClr val="bg1"/>
+              </a:buClr>
+              <a:buFont typeface="Times New Roman" panose="02020603050405020304" pitchFamily="18" charset="0"/>
+              <a:buChar char="⁃"/>
+            </a:pPr>
+            <a:endParaRPr lang="en-US" sz="2400" dirty="0">
+              <a:solidFill>
+                <a:schemeClr val="bg1"/>
+              </a:solidFill>
+              <a:latin typeface="Times New Roman" panose="02020603050405020304" pitchFamily="18" charset="0"/>
+              <a:cs typeface="Times New Roman" panose="02020603050405020304" pitchFamily="18" charset="0"/>
+            </a:endParaRPr>
+          </a:p>
+          <a:p>
+            <a:pPr marL="342900" indent="-342900">
+              <a:buClr>
+                <a:schemeClr val="bg1"/>
+              </a:buClr>
+              <a:buFont typeface="Times New Roman" panose="02020603050405020304" pitchFamily="18" charset="0"/>
+              <a:buChar char="⁃"/>
+            </a:pPr>
+            <a:r>
+              <a:rPr lang="en-US" sz="2400" dirty="0" err="1">
+                <a:solidFill>
+                  <a:schemeClr val="bg1"/>
+                </a:solidFill>
+                <a:latin typeface="Times New Roman" panose="02020603050405020304" pitchFamily="18" charset="0"/>
+                <a:cs typeface="Times New Roman" panose="02020603050405020304" pitchFamily="18" charset="0"/>
+              </a:rPr>
+              <a:t>Cải</a:t>
+            </a:r>
+            <a:r>
+              <a:rPr lang="en-US" sz="2400" dirty="0">
+                <a:solidFill>
+                  <a:schemeClr val="bg1"/>
+                </a:solidFill>
+                <a:latin typeface="Times New Roman" panose="02020603050405020304" pitchFamily="18" charset="0"/>
+                <a:cs typeface="Times New Roman" panose="02020603050405020304" pitchFamily="18" charset="0"/>
+              </a:rPr>
+              <a:t> </a:t>
+            </a:r>
+            <a:r>
+              <a:rPr lang="en-US" sz="2400" dirty="0" err="1">
+                <a:solidFill>
+                  <a:schemeClr val="bg1"/>
+                </a:solidFill>
+                <a:latin typeface="Times New Roman" panose="02020603050405020304" pitchFamily="18" charset="0"/>
+                <a:cs typeface="Times New Roman" panose="02020603050405020304" pitchFamily="18" charset="0"/>
+              </a:rPr>
+              <a:t>thiện</a:t>
+            </a:r>
+            <a:r>
+              <a:rPr lang="en-US" sz="2400" dirty="0">
+                <a:solidFill>
+                  <a:schemeClr val="bg1"/>
+                </a:solidFill>
+                <a:latin typeface="Times New Roman" panose="02020603050405020304" pitchFamily="18" charset="0"/>
+                <a:cs typeface="Times New Roman" panose="02020603050405020304" pitchFamily="18" charset="0"/>
+              </a:rPr>
+              <a:t> </a:t>
+            </a:r>
+            <a:r>
+              <a:rPr lang="en-US" sz="2400" dirty="0" err="1">
+                <a:solidFill>
+                  <a:schemeClr val="bg1"/>
+                </a:solidFill>
+                <a:latin typeface="Times New Roman" panose="02020603050405020304" pitchFamily="18" charset="0"/>
+                <a:cs typeface="Times New Roman" panose="02020603050405020304" pitchFamily="18" charset="0"/>
+              </a:rPr>
+              <a:t>sự</a:t>
+            </a:r>
+            <a:r>
+              <a:rPr lang="en-US" sz="2400" dirty="0">
+                <a:solidFill>
+                  <a:schemeClr val="bg1"/>
+                </a:solidFill>
+                <a:latin typeface="Times New Roman" panose="02020603050405020304" pitchFamily="18" charset="0"/>
+                <a:cs typeface="Times New Roman" panose="02020603050405020304" pitchFamily="18" charset="0"/>
+              </a:rPr>
+              <a:t> </a:t>
+            </a:r>
+            <a:r>
+              <a:rPr lang="en-US" sz="2400" dirty="0" err="1">
+                <a:solidFill>
+                  <a:schemeClr val="bg1"/>
+                </a:solidFill>
+                <a:latin typeface="Times New Roman" panose="02020603050405020304" pitchFamily="18" charset="0"/>
+                <a:cs typeface="Times New Roman" panose="02020603050405020304" pitchFamily="18" charset="0"/>
+              </a:rPr>
+              <a:t>mượt</a:t>
+            </a:r>
+            <a:r>
+              <a:rPr lang="en-US" sz="2400" dirty="0">
+                <a:solidFill>
+                  <a:schemeClr val="bg1"/>
+                </a:solidFill>
+                <a:latin typeface="Times New Roman" panose="02020603050405020304" pitchFamily="18" charset="0"/>
+                <a:cs typeface="Times New Roman" panose="02020603050405020304" pitchFamily="18" charset="0"/>
+              </a:rPr>
+              <a:t> </a:t>
+            </a:r>
+            <a:r>
+              <a:rPr lang="en-US" sz="2400" dirty="0" err="1">
+                <a:solidFill>
+                  <a:schemeClr val="bg1"/>
+                </a:solidFill>
+                <a:latin typeface="Times New Roman" panose="02020603050405020304" pitchFamily="18" charset="0"/>
+                <a:cs typeface="Times New Roman" panose="02020603050405020304" pitchFamily="18" charset="0"/>
+              </a:rPr>
+              <a:t>mà</a:t>
+            </a:r>
+            <a:r>
+              <a:rPr lang="en-US" sz="2400" dirty="0">
+                <a:solidFill>
+                  <a:schemeClr val="bg1"/>
+                </a:solidFill>
+                <a:latin typeface="Times New Roman" panose="02020603050405020304" pitchFamily="18" charset="0"/>
+                <a:cs typeface="Times New Roman" panose="02020603050405020304" pitchFamily="18" charset="0"/>
+              </a:rPr>
+              <a:t> </a:t>
+            </a:r>
+            <a:r>
+              <a:rPr lang="en-US" sz="2400" dirty="0" err="1">
+                <a:solidFill>
+                  <a:schemeClr val="bg1"/>
+                </a:solidFill>
+                <a:latin typeface="Times New Roman" panose="02020603050405020304" pitchFamily="18" charset="0"/>
+                <a:cs typeface="Times New Roman" panose="02020603050405020304" pitchFamily="18" charset="0"/>
+              </a:rPr>
+              <a:t>của</a:t>
+            </a:r>
+            <a:r>
+              <a:rPr lang="en-US" sz="2400" dirty="0">
+                <a:solidFill>
+                  <a:schemeClr val="bg1"/>
+                </a:solidFill>
+                <a:latin typeface="Times New Roman" panose="02020603050405020304" pitchFamily="18" charset="0"/>
+                <a:cs typeface="Times New Roman" panose="02020603050405020304" pitchFamily="18" charset="0"/>
+              </a:rPr>
+              <a:t> </a:t>
+            </a:r>
+            <a:r>
+              <a:rPr lang="en-US" sz="2400" dirty="0" err="1">
+                <a:solidFill>
+                  <a:schemeClr val="bg1"/>
+                </a:solidFill>
+                <a:latin typeface="Times New Roman" panose="02020603050405020304" pitchFamily="18" charset="0"/>
+                <a:cs typeface="Times New Roman" panose="02020603050405020304" pitchFamily="18" charset="0"/>
+              </a:rPr>
+              <a:t>ứng</a:t>
+            </a:r>
+            <a:r>
+              <a:rPr lang="en-US" sz="2400" dirty="0">
+                <a:solidFill>
+                  <a:schemeClr val="bg1"/>
+                </a:solidFill>
+                <a:latin typeface="Times New Roman" panose="02020603050405020304" pitchFamily="18" charset="0"/>
+                <a:cs typeface="Times New Roman" panose="02020603050405020304" pitchFamily="18" charset="0"/>
+              </a:rPr>
+              <a:t> </a:t>
+            </a:r>
+            <a:r>
+              <a:rPr lang="en-US" sz="2400" dirty="0" err="1">
+                <a:solidFill>
+                  <a:schemeClr val="bg1"/>
+                </a:solidFill>
+                <a:latin typeface="Times New Roman" panose="02020603050405020304" pitchFamily="18" charset="0"/>
+                <a:cs typeface="Times New Roman" panose="02020603050405020304" pitchFamily="18" charset="0"/>
+              </a:rPr>
+              <a:t>dụng</a:t>
+            </a:r>
+            <a:r>
+              <a:rPr lang="en-US" sz="2400" dirty="0">
+                <a:solidFill>
+                  <a:schemeClr val="bg1"/>
+                </a:solidFill>
+                <a:latin typeface="Times New Roman" panose="02020603050405020304" pitchFamily="18" charset="0"/>
+                <a:cs typeface="Times New Roman" panose="02020603050405020304" pitchFamily="18" charset="0"/>
+              </a:rPr>
+              <a:t>. </a:t>
+            </a:r>
+            <a:r>
+              <a:rPr lang="en-US" sz="2400" dirty="0" err="1">
+                <a:solidFill>
+                  <a:schemeClr val="bg1"/>
+                </a:solidFill>
+                <a:latin typeface="Times New Roman" panose="02020603050405020304" pitchFamily="18" charset="0"/>
+                <a:cs typeface="Times New Roman" panose="02020603050405020304" pitchFamily="18" charset="0"/>
+              </a:rPr>
+              <a:t>Nâng</a:t>
+            </a:r>
+            <a:r>
+              <a:rPr lang="en-US" sz="2400" dirty="0">
+                <a:solidFill>
+                  <a:schemeClr val="bg1"/>
+                </a:solidFill>
+                <a:latin typeface="Times New Roman" panose="02020603050405020304" pitchFamily="18" charset="0"/>
+                <a:cs typeface="Times New Roman" panose="02020603050405020304" pitchFamily="18" charset="0"/>
+              </a:rPr>
+              <a:t> </a:t>
+            </a:r>
+            <a:r>
+              <a:rPr lang="en-US" sz="2400" dirty="0" err="1">
+                <a:solidFill>
+                  <a:schemeClr val="bg1"/>
+                </a:solidFill>
+                <a:latin typeface="Times New Roman" panose="02020603050405020304" pitchFamily="18" charset="0"/>
+                <a:cs typeface="Times New Roman" panose="02020603050405020304" pitchFamily="18" charset="0"/>
+              </a:rPr>
+              <a:t>cao</a:t>
+            </a:r>
+            <a:r>
+              <a:rPr lang="en-US" sz="2400" dirty="0">
+                <a:solidFill>
+                  <a:schemeClr val="bg1"/>
+                </a:solidFill>
+                <a:latin typeface="Times New Roman" panose="02020603050405020304" pitchFamily="18" charset="0"/>
+                <a:cs typeface="Times New Roman" panose="02020603050405020304" pitchFamily="18" charset="0"/>
+              </a:rPr>
+              <a:t> </a:t>
+            </a:r>
+            <a:r>
+              <a:rPr lang="en-US" sz="2400" dirty="0" err="1">
+                <a:solidFill>
+                  <a:schemeClr val="bg1"/>
+                </a:solidFill>
+                <a:latin typeface="Times New Roman" panose="02020603050405020304" pitchFamily="18" charset="0"/>
+                <a:cs typeface="Times New Roman" panose="02020603050405020304" pitchFamily="18" charset="0"/>
+              </a:rPr>
+              <a:t>trải</a:t>
+            </a:r>
+            <a:r>
+              <a:rPr lang="en-US" sz="2400" dirty="0">
+                <a:solidFill>
+                  <a:schemeClr val="bg1"/>
+                </a:solidFill>
+                <a:latin typeface="Times New Roman" panose="02020603050405020304" pitchFamily="18" charset="0"/>
+                <a:cs typeface="Times New Roman" panose="02020603050405020304" pitchFamily="18" charset="0"/>
+              </a:rPr>
+              <a:t> </a:t>
+            </a:r>
+            <a:r>
+              <a:rPr lang="en-US" sz="2400" dirty="0" err="1">
+                <a:solidFill>
+                  <a:schemeClr val="bg1"/>
+                </a:solidFill>
+                <a:latin typeface="Times New Roman" panose="02020603050405020304" pitchFamily="18" charset="0"/>
+                <a:cs typeface="Times New Roman" panose="02020603050405020304" pitchFamily="18" charset="0"/>
+              </a:rPr>
+              <a:t>nghiệm</a:t>
+            </a:r>
+            <a:r>
+              <a:rPr lang="en-US" sz="2400" dirty="0">
+                <a:solidFill>
+                  <a:schemeClr val="bg1"/>
+                </a:solidFill>
+                <a:latin typeface="Times New Roman" panose="02020603050405020304" pitchFamily="18" charset="0"/>
+                <a:cs typeface="Times New Roman" panose="02020603050405020304" pitchFamily="18" charset="0"/>
+              </a:rPr>
+              <a:t> </a:t>
+            </a:r>
+            <a:r>
+              <a:rPr lang="en-US" sz="2400" dirty="0" err="1">
+                <a:solidFill>
+                  <a:schemeClr val="bg1"/>
+                </a:solidFill>
+                <a:latin typeface="Times New Roman" panose="02020603050405020304" pitchFamily="18" charset="0"/>
+                <a:cs typeface="Times New Roman" panose="02020603050405020304" pitchFamily="18" charset="0"/>
+              </a:rPr>
+              <a:t>người</a:t>
+            </a:r>
+            <a:r>
+              <a:rPr lang="en-US" sz="2400" dirty="0">
+                <a:solidFill>
+                  <a:schemeClr val="bg1"/>
+                </a:solidFill>
+                <a:latin typeface="Times New Roman" panose="02020603050405020304" pitchFamily="18" charset="0"/>
+                <a:cs typeface="Times New Roman" panose="02020603050405020304" pitchFamily="18" charset="0"/>
+              </a:rPr>
+              <a:t> </a:t>
+            </a:r>
+            <a:r>
+              <a:rPr lang="en-US" sz="2400" dirty="0" err="1">
+                <a:solidFill>
+                  <a:schemeClr val="bg1"/>
+                </a:solidFill>
+                <a:latin typeface="Times New Roman" panose="02020603050405020304" pitchFamily="18" charset="0"/>
+                <a:cs typeface="Times New Roman" panose="02020603050405020304" pitchFamily="18" charset="0"/>
+              </a:rPr>
+              <a:t>dùng</a:t>
+            </a:r>
+            <a:r>
+              <a:rPr lang="en-US" sz="2400" dirty="0">
+                <a:solidFill>
+                  <a:schemeClr val="bg1"/>
+                </a:solidFill>
+                <a:latin typeface="Times New Roman" panose="02020603050405020304" pitchFamily="18" charset="0"/>
+                <a:cs typeface="Times New Roman" panose="02020603050405020304" pitchFamily="18" charset="0"/>
+              </a:rPr>
+              <a:t>.</a:t>
             </a:r>
           </a:p>
           <a:p>
@@ -9255,7 +8601,7 @@
             <a:fld id="{00000000-1234-1234-1234-123412341234}" type="slidenum">
               <a:rPr lang="en-US" smtClean="0"/>
               <a:pPr/>
-              <a:t>13</a:t>
+              <a:t>11</a:t>
             </a:fld>
             <a:r>
               <a:rPr lang="en-US" dirty="0"/>
@@ -16584,8 +15930,8 @@
         </p:nvSpPr>
         <p:spPr>
           <a:xfrm>
-            <a:off x="428589" y="1149019"/>
-            <a:ext cx="3526723" cy="461624"/>
+            <a:off x="471429" y="1173431"/>
+            <a:ext cx="9537810" cy="461624"/>
           </a:xfrm>
           <a:prstGeom prst="rect">
             <a:avLst/>
@@ -16639,55 +15985,158 @@
                 <a:latin typeface="Times New Roman" panose="02020603050405020304" pitchFamily="18" charset="0"/>
                 <a:cs typeface="Times New Roman" panose="02020603050405020304" pitchFamily="18" charset="0"/>
               </a:rPr>
-              <a:t>trang</a:t>
-            </a:r>
-            <a:r>
-              <a:rPr lang="en-US" sz="2400" dirty="0">
-                <a:solidFill>
-                  <a:schemeClr val="bg1"/>
-                </a:solidFill>
-                <a:latin typeface="Times New Roman" panose="02020603050405020304" pitchFamily="18" charset="0"/>
-                <a:cs typeface="Times New Roman" panose="02020603050405020304" pitchFamily="18" charset="0"/>
-              </a:rPr>
-              <a:t> </a:t>
-            </a:r>
-            <a:r>
-              <a:rPr lang="en-US" sz="2400" dirty="0" err="1">
-                <a:solidFill>
-                  <a:schemeClr val="bg1"/>
-                </a:solidFill>
-                <a:latin typeface="Times New Roman" panose="02020603050405020304" pitchFamily="18" charset="0"/>
-                <a:cs typeface="Times New Roman" panose="02020603050405020304" pitchFamily="18" charset="0"/>
-              </a:rPr>
-              <a:t>đăng</a:t>
-            </a:r>
-            <a:r>
-              <a:rPr lang="en-US" sz="2400" dirty="0">
-                <a:solidFill>
-                  <a:schemeClr val="bg1"/>
-                </a:solidFill>
-                <a:latin typeface="Times New Roman" panose="02020603050405020304" pitchFamily="18" charset="0"/>
-                <a:cs typeface="Times New Roman" panose="02020603050405020304" pitchFamily="18" charset="0"/>
-              </a:rPr>
-              <a:t> </a:t>
-            </a:r>
-            <a:r>
-              <a:rPr lang="en-US" sz="2400" dirty="0" err="1">
-                <a:solidFill>
-                  <a:schemeClr val="bg1"/>
-                </a:solidFill>
-                <a:latin typeface="Times New Roman" panose="02020603050405020304" pitchFamily="18" charset="0"/>
-                <a:cs typeface="Times New Roman" panose="02020603050405020304" pitchFamily="18" charset="0"/>
-              </a:rPr>
-              <a:t>nhập</a:t>
-            </a:r>
-            <a:endParaRPr lang="en-US" sz="2400" dirty="0">
-              <a:solidFill>
-                <a:schemeClr val="bg1"/>
-              </a:solidFill>
-              <a:latin typeface="Times New Roman" panose="02020603050405020304" pitchFamily="18" charset="0"/>
-              <a:cs typeface="Times New Roman" panose="02020603050405020304" pitchFamily="18" charset="0"/>
-            </a:endParaRPr>
+              <a:t>xem</a:t>
+            </a:r>
+            <a:r>
+              <a:rPr lang="en-US" sz="2400" dirty="0">
+                <a:solidFill>
+                  <a:schemeClr val="bg1"/>
+                </a:solidFill>
+                <a:latin typeface="Times New Roman" panose="02020603050405020304" pitchFamily="18" charset="0"/>
+                <a:cs typeface="Times New Roman" panose="02020603050405020304" pitchFamily="18" charset="0"/>
+              </a:rPr>
+              <a:t> </a:t>
+            </a:r>
+            <a:r>
+              <a:rPr lang="en-US" sz="2400" dirty="0" err="1">
+                <a:solidFill>
+                  <a:schemeClr val="bg1"/>
+                </a:solidFill>
+                <a:latin typeface="Times New Roman" panose="02020603050405020304" pitchFamily="18" charset="0"/>
+                <a:cs typeface="Times New Roman" panose="02020603050405020304" pitchFamily="18" charset="0"/>
+              </a:rPr>
+              <a:t>điểm</a:t>
+            </a:r>
+            <a:r>
+              <a:rPr lang="en-US" sz="2400" dirty="0">
+                <a:solidFill>
+                  <a:schemeClr val="bg1"/>
+                </a:solidFill>
+                <a:latin typeface="Times New Roman" panose="02020603050405020304" pitchFamily="18" charset="0"/>
+                <a:cs typeface="Times New Roman" panose="02020603050405020304" pitchFamily="18" charset="0"/>
+              </a:rPr>
+              <a:t> </a:t>
+            </a:r>
+            <a:r>
+              <a:rPr lang="en-US" sz="2400" dirty="0" err="1">
+                <a:solidFill>
+                  <a:schemeClr val="bg1"/>
+                </a:solidFill>
+                <a:latin typeface="Times New Roman" panose="02020603050405020304" pitchFamily="18" charset="0"/>
+                <a:cs typeface="Times New Roman" panose="02020603050405020304" pitchFamily="18" charset="0"/>
+              </a:rPr>
+              <a:t>thành</a:t>
+            </a:r>
+            <a:r>
+              <a:rPr lang="en-US" sz="2400" dirty="0">
+                <a:solidFill>
+                  <a:schemeClr val="bg1"/>
+                </a:solidFill>
+                <a:latin typeface="Times New Roman" panose="02020603050405020304" pitchFamily="18" charset="0"/>
+                <a:cs typeface="Times New Roman" panose="02020603050405020304" pitchFamily="18" charset="0"/>
+              </a:rPr>
+              <a:t> </a:t>
+            </a:r>
+            <a:r>
+              <a:rPr lang="en-US" sz="2400" dirty="0" err="1">
+                <a:solidFill>
+                  <a:schemeClr val="bg1"/>
+                </a:solidFill>
+                <a:latin typeface="Times New Roman" panose="02020603050405020304" pitchFamily="18" charset="0"/>
+                <a:cs typeface="Times New Roman" panose="02020603050405020304" pitchFamily="18" charset="0"/>
+              </a:rPr>
+              <a:t>phần</a:t>
+            </a:r>
+            <a:r>
+              <a:rPr lang="en-US" sz="2400" dirty="0">
+                <a:solidFill>
+                  <a:schemeClr val="bg1"/>
+                </a:solidFill>
+                <a:latin typeface="Times New Roman" panose="02020603050405020304" pitchFamily="18" charset="0"/>
+                <a:cs typeface="Times New Roman" panose="02020603050405020304" pitchFamily="18" charset="0"/>
+              </a:rPr>
+              <a:t> </a:t>
+            </a:r>
+            <a:r>
+              <a:rPr lang="en-US" sz="2400" dirty="0" err="1">
+                <a:solidFill>
+                  <a:schemeClr val="bg1"/>
+                </a:solidFill>
+                <a:latin typeface="Times New Roman" panose="02020603050405020304" pitchFamily="18" charset="0"/>
+                <a:cs typeface="Times New Roman" panose="02020603050405020304" pitchFamily="18" charset="0"/>
+              </a:rPr>
+              <a:t>trên</a:t>
+            </a:r>
+            <a:r>
+              <a:rPr lang="en-US" sz="2400" dirty="0">
+                <a:solidFill>
+                  <a:schemeClr val="bg1"/>
+                </a:solidFill>
+                <a:latin typeface="Times New Roman" panose="02020603050405020304" pitchFamily="18" charset="0"/>
+                <a:cs typeface="Times New Roman" panose="02020603050405020304" pitchFamily="18" charset="0"/>
+              </a:rPr>
+              <a:t> </a:t>
+            </a:r>
+            <a:r>
+              <a:rPr lang="en-US" sz="2400" dirty="0" err="1">
+                <a:solidFill>
+                  <a:schemeClr val="bg1"/>
+                </a:solidFill>
+                <a:latin typeface="Times New Roman" panose="02020603050405020304" pitchFamily="18" charset="0"/>
+                <a:cs typeface="Times New Roman" panose="02020603050405020304" pitchFamily="18" charset="0"/>
+              </a:rPr>
+              <a:t>nền</a:t>
+            </a:r>
+            <a:r>
+              <a:rPr lang="en-US" sz="2400" dirty="0">
+                <a:solidFill>
+                  <a:schemeClr val="bg1"/>
+                </a:solidFill>
+                <a:latin typeface="Times New Roman" panose="02020603050405020304" pitchFamily="18" charset="0"/>
+                <a:cs typeface="Times New Roman" panose="02020603050405020304" pitchFamily="18" charset="0"/>
+              </a:rPr>
+              <a:t> </a:t>
+            </a:r>
+            <a:r>
+              <a:rPr lang="en-US" sz="2400" dirty="0" err="1">
+                <a:solidFill>
+                  <a:schemeClr val="bg1"/>
+                </a:solidFill>
+                <a:latin typeface="Times New Roman" panose="02020603050405020304" pitchFamily="18" charset="0"/>
+                <a:cs typeface="Times New Roman" panose="02020603050405020304" pitchFamily="18" charset="0"/>
+              </a:rPr>
+              <a:t>tảng</a:t>
+            </a:r>
+            <a:r>
+              <a:rPr lang="en-US" sz="2400" dirty="0">
+                <a:solidFill>
+                  <a:schemeClr val="bg1"/>
+                </a:solidFill>
+                <a:latin typeface="Times New Roman" panose="02020603050405020304" pitchFamily="18" charset="0"/>
+                <a:cs typeface="Times New Roman" panose="02020603050405020304" pitchFamily="18" charset="0"/>
+              </a:rPr>
+              <a:t> Windows </a:t>
+            </a:r>
+            <a:r>
+              <a:rPr lang="en-US" sz="2400" dirty="0" err="1">
+                <a:solidFill>
+                  <a:schemeClr val="bg1"/>
+                </a:solidFill>
+                <a:latin typeface="Times New Roman" panose="02020603050405020304" pitchFamily="18" charset="0"/>
+                <a:cs typeface="Times New Roman" panose="02020603050405020304" pitchFamily="18" charset="0"/>
+              </a:rPr>
+              <a:t>và</a:t>
+            </a:r>
+            <a:r>
+              <a:rPr lang="en-US" sz="2400" dirty="0">
+                <a:solidFill>
+                  <a:schemeClr val="bg1"/>
+                </a:solidFill>
+                <a:latin typeface="Times New Roman" panose="02020603050405020304" pitchFamily="18" charset="0"/>
+                <a:cs typeface="Times New Roman" panose="02020603050405020304" pitchFamily="18" charset="0"/>
+              </a:rPr>
+              <a:t> Android:</a:t>
+            </a:r>
           </a:p>
         </p:txBody>
       </p:sp>
@@ -16723,7 +16172,43 @@
           <p:cNvPr id="2" name="Picture 1">
             <a:extLst>
               <a:ext uri="{FF2B5EF4-FFF2-40B4-BE49-F238E27FC236}">
-                <a16:creationId xmlns:a16="http://schemas.microsoft.com/office/drawing/2014/main" id="{A8B9419A-0608-D7AA-AAA6-668A35C1D0FA}"/>
+                <a16:creationId xmlns:a16="http://schemas.microsoft.com/office/drawing/2014/main" id="{D7BD3E67-D9F8-26FF-12FB-D5A7D4D01D15}"/>
+              </a:ext>
+            </a:extLst>
+          </p:cNvPr>
+          <p:cNvPicPr>
+            <a:picLocks noChangeAspect="1"/>
+          </p:cNvPicPr>
+          <p:nvPr/>
+        </p:nvPicPr>
+        <p:blipFill>
+          <a:blip r:embed="rId3" cstate="print">
+            <a:extLst>
+              <a:ext uri="{28A0092B-C50C-407E-A947-70E740481C1C}">
+                <a14:useLocalDpi xmlns:a14="http://schemas.microsoft.com/office/drawing/2010/main" val="0"/>
+              </a:ext>
+            </a:extLst>
+          </a:blip>
+          <a:stretch>
+            <a:fillRect/>
+          </a:stretch>
+        </p:blipFill>
+        <p:spPr>
+          <a:xfrm>
+            <a:off x="853657" y="2069499"/>
+            <a:ext cx="6695538" cy="3560743"/>
+          </a:xfrm>
+          <a:prstGeom prst="rect">
+            <a:avLst/>
+          </a:prstGeom>
+        </p:spPr>
+      </p:pic>
+      <p:pic>
+        <p:nvPicPr>
+          <p:cNvPr id="4" name="Picture 3">
+            <a:extLst>
+              <a:ext uri="{FF2B5EF4-FFF2-40B4-BE49-F238E27FC236}">
+                <a16:creationId xmlns:a16="http://schemas.microsoft.com/office/drawing/2014/main" id="{645F221C-3E0C-7394-B7D3-B301B82001EF}"/>
               </a:ext>
             </a:extLst>
           </p:cNvPr>
@@ -16733,20 +16218,20 @@
           <p:nvPr/>
         </p:nvPicPr>
         <p:blipFill rotWithShape="1">
-          <a:blip r:embed="rId3">
+          <a:blip r:embed="rId4" cstate="print">
             <a:extLst>
               <a:ext uri="{28A0092B-C50C-407E-A947-70E740481C1C}">
                 <a14:useLocalDpi xmlns:a14="http://schemas.microsoft.com/office/drawing/2010/main" val="0"/>
               </a:ext>
             </a:extLst>
           </a:blip>
-          <a:srcRect l="34629" t="22470" r="34889" b="22524"/>
+          <a:srcRect t="4066" b="2266"/>
           <a:stretch/>
         </p:blipFill>
         <p:spPr bwMode="auto">
           <a:xfrm>
-            <a:off x="4097532" y="2038256"/>
-            <a:ext cx="3996936" cy="3711893"/>
+            <a:off x="8714924" y="2069499"/>
+            <a:ext cx="1686376" cy="3563049"/>
           </a:xfrm>
           <a:prstGeom prst="rect">
             <a:avLst/>
@@ -16764,7 +16249,7 @@
     </p:spTree>
     <p:extLst>
       <p:ext uri="{BB962C8B-B14F-4D97-AF65-F5344CB8AC3E}">
-        <p14:creationId xmlns:p14="http://schemas.microsoft.com/office/powerpoint/2010/main" val="2586644840"/>
+        <p14:creationId xmlns:p14="http://schemas.microsoft.com/office/powerpoint/2010/main" val="2233133785"/>
       </p:ext>
     </p:extLst>
   </p:cSld>
@@ -16802,7 +16287,7 @@
         </p:nvSpPr>
         <p:spPr>
           <a:xfrm>
-            <a:off x="993530" y="167124"/>
+            <a:off x="993531" y="92697"/>
             <a:ext cx="9407769" cy="646290"/>
           </a:xfrm>
           <a:prstGeom prst="rect">
@@ -16920,8 +16405,8 @@
         </p:nvSpPr>
         <p:spPr>
           <a:xfrm>
-            <a:off x="471429" y="1421084"/>
-            <a:ext cx="5225986" cy="461624"/>
+            <a:off x="471429" y="1173431"/>
+            <a:ext cx="10707848" cy="461624"/>
           </a:xfrm>
           <a:prstGeom prst="rect">
             <a:avLst/>
@@ -16975,17 +16460,17 @@
                 <a:latin typeface="Times New Roman" panose="02020603050405020304" pitchFamily="18" charset="0"/>
                 <a:cs typeface="Times New Roman" panose="02020603050405020304" pitchFamily="18" charset="0"/>
               </a:rPr>
-              <a:t>trang</a:t>
-            </a:r>
-            <a:r>
-              <a:rPr lang="en-US" sz="2400" dirty="0">
-                <a:solidFill>
-                  <a:schemeClr val="bg1"/>
-                </a:solidFill>
-                <a:latin typeface="Times New Roman" panose="02020603050405020304" pitchFamily="18" charset="0"/>
-                <a:cs typeface="Times New Roman" panose="02020603050405020304" pitchFamily="18" charset="0"/>
-              </a:rPr>
-              <a:t> upload </a:t>
+              <a:t>xem</a:t>
+            </a:r>
+            <a:r>
+              <a:rPr lang="en-US" sz="2400" dirty="0">
+                <a:solidFill>
+                  <a:schemeClr val="bg1"/>
+                </a:solidFill>
+                <a:latin typeface="Times New Roman" panose="02020603050405020304" pitchFamily="18" charset="0"/>
+                <a:cs typeface="Times New Roman" panose="02020603050405020304" pitchFamily="18" charset="0"/>
+              </a:rPr>
+              <a:t> </a:t>
             </a:r>
             <a:r>
               <a:rPr lang="en-US" sz="2400" dirty="0" err="1">
@@ -17005,105 +16490,127 @@
                 <a:latin typeface="Times New Roman" panose="02020603050405020304" pitchFamily="18" charset="0"/>
                 <a:cs typeface="Times New Roman" panose="02020603050405020304" pitchFamily="18" charset="0"/>
               </a:rPr>
-              <a:t>:</a:t>
-            </a:r>
-          </a:p>
-        </p:txBody>
-      </p:sp>
-      <p:sp>
-        <p:nvSpPr>
-          <p:cNvPr id="12" name="Google Shape;45;p1"/>
-          <p:cNvSpPr txBox="1"/>
-          <p:nvPr/>
-        </p:nvSpPr>
-        <p:spPr>
-          <a:xfrm>
-            <a:off x="6298562" y="1459935"/>
-            <a:ext cx="5243977" cy="461624"/>
-          </a:xfrm>
-          <a:prstGeom prst="rect">
-            <a:avLst/>
-          </a:prstGeom>
-          <a:noFill/>
-          <a:ln>
-            <a:noFill/>
-          </a:ln>
-        </p:spPr>
-        <p:txBody>
-          <a:bodyPr spcFirstLastPara="1" wrap="square" lIns="91425" tIns="45700" rIns="91425" bIns="45700" anchor="t" anchorCtr="0">
-            <a:spAutoFit/>
-          </a:bodyPr>
-          <a:lstStyle/>
-          <a:p>
-            <a:r>
-              <a:rPr lang="en-US" sz="2400" dirty="0">
-                <a:solidFill>
-                  <a:schemeClr val="bg1"/>
-                </a:solidFill>
-                <a:latin typeface="Times New Roman" panose="02020603050405020304" pitchFamily="18" charset="0"/>
-                <a:cs typeface="Times New Roman" panose="02020603050405020304" pitchFamily="18" charset="0"/>
-              </a:rPr>
-              <a:t>Giao </a:t>
-            </a:r>
-            <a:r>
-              <a:rPr lang="en-US" sz="2400" dirty="0" err="1">
-                <a:solidFill>
-                  <a:schemeClr val="bg1"/>
-                </a:solidFill>
-                <a:latin typeface="Times New Roman" panose="02020603050405020304" pitchFamily="18" charset="0"/>
-                <a:cs typeface="Times New Roman" panose="02020603050405020304" pitchFamily="18" charset="0"/>
-              </a:rPr>
-              <a:t>diện</a:t>
-            </a:r>
-            <a:r>
-              <a:rPr lang="en-US" sz="2400" dirty="0">
-                <a:solidFill>
-                  <a:schemeClr val="bg1"/>
-                </a:solidFill>
-                <a:latin typeface="Times New Roman" panose="02020603050405020304" pitchFamily="18" charset="0"/>
-                <a:cs typeface="Times New Roman" panose="02020603050405020304" pitchFamily="18" charset="0"/>
-              </a:rPr>
-              <a:t> </a:t>
-            </a:r>
-            <a:r>
-              <a:rPr lang="en-US" sz="2400" dirty="0" err="1">
-                <a:solidFill>
-                  <a:schemeClr val="bg1"/>
-                </a:solidFill>
-                <a:latin typeface="Times New Roman" panose="02020603050405020304" pitchFamily="18" charset="0"/>
-                <a:cs typeface="Times New Roman" panose="02020603050405020304" pitchFamily="18" charset="0"/>
-              </a:rPr>
-              <a:t>xuất</a:t>
-            </a:r>
-            <a:r>
-              <a:rPr lang="en-US" sz="2400" dirty="0">
-                <a:solidFill>
-                  <a:schemeClr val="bg1"/>
-                </a:solidFill>
-                <a:latin typeface="Times New Roman" panose="02020603050405020304" pitchFamily="18" charset="0"/>
-                <a:cs typeface="Times New Roman" panose="02020603050405020304" pitchFamily="18" charset="0"/>
-              </a:rPr>
-              <a:t> </a:t>
-            </a:r>
-            <a:r>
-              <a:rPr lang="en-US" sz="2400" dirty="0" err="1">
-                <a:solidFill>
-                  <a:schemeClr val="bg1"/>
-                </a:solidFill>
-                <a:latin typeface="Times New Roman" panose="02020603050405020304" pitchFamily="18" charset="0"/>
-                <a:cs typeface="Times New Roman" panose="02020603050405020304" pitchFamily="18" charset="0"/>
-              </a:rPr>
-              <a:t>điểm</a:t>
-            </a:r>
-            <a:r>
-              <a:rPr lang="en-US" sz="2400" dirty="0">
-                <a:solidFill>
-                  <a:schemeClr val="bg1"/>
-                </a:solidFill>
-                <a:latin typeface="Times New Roman" panose="02020603050405020304" pitchFamily="18" charset="0"/>
-                <a:cs typeface="Times New Roman" panose="02020603050405020304" pitchFamily="18" charset="0"/>
-              </a:rPr>
-              <a:t>:</a:t>
+              <a:t> </a:t>
+            </a:r>
+            <a:r>
+              <a:rPr lang="en-US" sz="2400" dirty="0" err="1">
+                <a:solidFill>
+                  <a:schemeClr val="bg1"/>
+                </a:solidFill>
+                <a:latin typeface="Times New Roman" panose="02020603050405020304" pitchFamily="18" charset="0"/>
+                <a:cs typeface="Times New Roman" panose="02020603050405020304" pitchFamily="18" charset="0"/>
+              </a:rPr>
+              <a:t>tổng</a:t>
+            </a:r>
+            <a:r>
+              <a:rPr lang="en-US" sz="2400" dirty="0">
+                <a:solidFill>
+                  <a:schemeClr val="bg1"/>
+                </a:solidFill>
+                <a:latin typeface="Times New Roman" panose="02020603050405020304" pitchFamily="18" charset="0"/>
+                <a:cs typeface="Times New Roman" panose="02020603050405020304" pitchFamily="18" charset="0"/>
+              </a:rPr>
+              <a:t> </a:t>
+            </a:r>
+            <a:r>
+              <a:rPr lang="en-US" sz="2400" dirty="0" err="1">
+                <a:solidFill>
+                  <a:schemeClr val="bg1"/>
+                </a:solidFill>
+                <a:latin typeface="Times New Roman" panose="02020603050405020304" pitchFamily="18" charset="0"/>
+                <a:cs typeface="Times New Roman" panose="02020603050405020304" pitchFamily="18" charset="0"/>
+              </a:rPr>
+              <a:t>kết</a:t>
+            </a:r>
+            <a:r>
+              <a:rPr lang="en-US" sz="2400" dirty="0">
+                <a:solidFill>
+                  <a:schemeClr val="bg1"/>
+                </a:solidFill>
+                <a:latin typeface="Times New Roman" panose="02020603050405020304" pitchFamily="18" charset="0"/>
+                <a:cs typeface="Times New Roman" panose="02020603050405020304" pitchFamily="18" charset="0"/>
+              </a:rPr>
+              <a:t> </a:t>
+            </a:r>
+            <a:r>
+              <a:rPr lang="en-US" sz="2400" dirty="0" err="1">
+                <a:solidFill>
+                  <a:schemeClr val="bg1"/>
+                </a:solidFill>
+                <a:latin typeface="Times New Roman" panose="02020603050405020304" pitchFamily="18" charset="0"/>
+                <a:cs typeface="Times New Roman" panose="02020603050405020304" pitchFamily="18" charset="0"/>
+              </a:rPr>
+              <a:t>trên</a:t>
+            </a:r>
+            <a:r>
+              <a:rPr lang="en-US" sz="2400" dirty="0">
+                <a:solidFill>
+                  <a:schemeClr val="bg1"/>
+                </a:solidFill>
+                <a:latin typeface="Times New Roman" panose="02020603050405020304" pitchFamily="18" charset="0"/>
+                <a:cs typeface="Times New Roman" panose="02020603050405020304" pitchFamily="18" charset="0"/>
+              </a:rPr>
+              <a:t> </a:t>
+            </a:r>
+            <a:r>
+              <a:rPr lang="en-US" sz="2400" dirty="0" err="1">
+                <a:solidFill>
+                  <a:schemeClr val="bg1"/>
+                </a:solidFill>
+                <a:latin typeface="Times New Roman" panose="02020603050405020304" pitchFamily="18" charset="0"/>
+                <a:cs typeface="Times New Roman" panose="02020603050405020304" pitchFamily="18" charset="0"/>
+              </a:rPr>
+              <a:t>nền</a:t>
+            </a:r>
+            <a:r>
+              <a:rPr lang="en-US" sz="2400" dirty="0">
+                <a:solidFill>
+                  <a:schemeClr val="bg1"/>
+                </a:solidFill>
+                <a:latin typeface="Times New Roman" panose="02020603050405020304" pitchFamily="18" charset="0"/>
+                <a:cs typeface="Times New Roman" panose="02020603050405020304" pitchFamily="18" charset="0"/>
+              </a:rPr>
+              <a:t> </a:t>
+            </a:r>
+            <a:r>
+              <a:rPr lang="en-US" sz="2400" dirty="0" err="1">
+                <a:solidFill>
+                  <a:schemeClr val="bg1"/>
+                </a:solidFill>
+                <a:latin typeface="Times New Roman" panose="02020603050405020304" pitchFamily="18" charset="0"/>
+                <a:cs typeface="Times New Roman" panose="02020603050405020304" pitchFamily="18" charset="0"/>
+              </a:rPr>
+              <a:t>tảng</a:t>
+            </a:r>
+            <a:r>
+              <a:rPr lang="en-US" sz="2400" dirty="0">
+                <a:solidFill>
+                  <a:schemeClr val="bg1"/>
+                </a:solidFill>
+                <a:latin typeface="Times New Roman" panose="02020603050405020304" pitchFamily="18" charset="0"/>
+                <a:cs typeface="Times New Roman" panose="02020603050405020304" pitchFamily="18" charset="0"/>
+              </a:rPr>
+              <a:t> Windows </a:t>
+            </a:r>
+            <a:r>
+              <a:rPr lang="en-US" sz="2400" dirty="0" err="1">
+                <a:solidFill>
+                  <a:schemeClr val="bg1"/>
+                </a:solidFill>
+                <a:latin typeface="Times New Roman" panose="02020603050405020304" pitchFamily="18" charset="0"/>
+                <a:cs typeface="Times New Roman" panose="02020603050405020304" pitchFamily="18" charset="0"/>
+              </a:rPr>
+              <a:t>và</a:t>
+            </a:r>
+            <a:r>
+              <a:rPr lang="en-US" sz="2400" dirty="0">
+                <a:solidFill>
+                  <a:schemeClr val="bg1"/>
+                </a:solidFill>
+                <a:latin typeface="Times New Roman" panose="02020603050405020304" pitchFamily="18" charset="0"/>
+                <a:cs typeface="Times New Roman" panose="02020603050405020304" pitchFamily="18" charset="0"/>
+              </a:rPr>
+              <a:t> Android:</a:t>
             </a:r>
           </a:p>
         </p:txBody>
@@ -17135,10 +16642,89 @@
           </a:p>
         </p:txBody>
       </p:sp>
+      <p:pic>
+        <p:nvPicPr>
+          <p:cNvPr id="2" name="Picture 1">
+            <a:extLst>
+              <a:ext uri="{FF2B5EF4-FFF2-40B4-BE49-F238E27FC236}">
+                <a16:creationId xmlns:a16="http://schemas.microsoft.com/office/drawing/2014/main" id="{6CE38F04-5F8F-4CC6-0A04-02307CAB9BFA}"/>
+              </a:ext>
+            </a:extLst>
+          </p:cNvPr>
+          <p:cNvPicPr>
+            <a:picLocks noChangeAspect="1"/>
+          </p:cNvPicPr>
+          <p:nvPr/>
+        </p:nvPicPr>
+        <p:blipFill>
+          <a:blip r:embed="rId3" cstate="print">
+            <a:extLst>
+              <a:ext uri="{28A0092B-C50C-407E-A947-70E740481C1C}">
+                <a14:useLocalDpi xmlns:a14="http://schemas.microsoft.com/office/drawing/2010/main" val="0"/>
+              </a:ext>
+            </a:extLst>
+          </a:blip>
+          <a:stretch>
+            <a:fillRect/>
+          </a:stretch>
+        </p:blipFill>
+        <p:spPr>
+          <a:xfrm>
+            <a:off x="621920" y="1974819"/>
+            <a:ext cx="6693408" cy="3559610"/>
+          </a:xfrm>
+          <a:prstGeom prst="rect">
+            <a:avLst/>
+          </a:prstGeom>
+        </p:spPr>
+      </p:pic>
+      <p:pic>
+        <p:nvPicPr>
+          <p:cNvPr id="4" name="Picture 3">
+            <a:extLst>
+              <a:ext uri="{FF2B5EF4-FFF2-40B4-BE49-F238E27FC236}">
+                <a16:creationId xmlns:a16="http://schemas.microsoft.com/office/drawing/2014/main" id="{1A7B898D-D07F-66A1-D9AC-F133A9029EC4}"/>
+              </a:ext>
+            </a:extLst>
+          </p:cNvPr>
+          <p:cNvPicPr>
+            <a:picLocks noChangeAspect="1"/>
+          </p:cNvPicPr>
+          <p:nvPr/>
+        </p:nvPicPr>
+        <p:blipFill rotWithShape="1">
+          <a:blip r:embed="rId4" cstate="print">
+            <a:extLst>
+              <a:ext uri="{28A0092B-C50C-407E-A947-70E740481C1C}">
+                <a14:useLocalDpi xmlns:a14="http://schemas.microsoft.com/office/drawing/2010/main" val="0"/>
+              </a:ext>
+            </a:extLst>
+          </a:blip>
+          <a:srcRect t="4222"/>
+          <a:stretch/>
+        </p:blipFill>
+        <p:spPr bwMode="auto">
+          <a:xfrm>
+            <a:off x="8753670" y="1974819"/>
+            <a:ext cx="1647630" cy="3559610"/>
+          </a:xfrm>
+          <a:prstGeom prst="rect">
+            <a:avLst/>
+          </a:prstGeom>
+          <a:ln>
+            <a:noFill/>
+          </a:ln>
+          <a:extLst>
+            <a:ext uri="{53640926-AAD7-44D8-BBD7-CCE9431645EC}">
+              <a14:shadowObscured xmlns:a14="http://schemas.microsoft.com/office/drawing/2010/main"/>
+            </a:ext>
+          </a:extLst>
+        </p:spPr>
+      </p:pic>
     </p:spTree>
     <p:extLst>
       <p:ext uri="{BB962C8B-B14F-4D97-AF65-F5344CB8AC3E}">
-        <p14:creationId xmlns:p14="http://schemas.microsoft.com/office/powerpoint/2010/main" val="274829092"/>
+        <p14:creationId xmlns:p14="http://schemas.microsoft.com/office/powerpoint/2010/main" val="4249677439"/>
       </p:ext>
     </p:extLst>
   </p:cSld>
